--- a/documentation/Presentation Ovidiu Pop.pptx
+++ b/documentation/Presentation Ovidiu Pop.pptx
@@ -11,6 +11,7 @@
     <p:sldId id="259" r:id="rId5"/>
     <p:sldId id="260" r:id="rId6"/>
     <p:sldId id="261" r:id="rId7"/>
+    <p:sldId id="262" r:id="rId8"/>
   </p:sldIdLst>
   <p:sldSz cx="12192000" cy="6858000"/>
   <p:notesSz cx="6858000" cy="9144000"/>
@@ -6475,10 +6476,955 @@
           </a:prstGeom>
         </p:spPr>
       </p:pic>
+      <p:sp>
+        <p:nvSpPr>
+          <p:cNvPr id="6" name="TextBox 5">
+            <a:extLst>
+              <a:ext uri="{FF2B5EF4-FFF2-40B4-BE49-F238E27FC236}">
+                <a16:creationId xmlns:a16="http://schemas.microsoft.com/office/drawing/2014/main" id="{14C0A4BB-E824-351C-4562-84CAC1250FF8}"/>
+              </a:ext>
+            </a:extLst>
+          </p:cNvPr>
+          <p:cNvSpPr txBox="1"/>
+          <p:nvPr/>
+        </p:nvSpPr>
+        <p:spPr>
+          <a:xfrm>
+            <a:off x="6441440" y="2144965"/>
+            <a:ext cx="5291211" cy="2308324"/>
+          </a:xfrm>
+          <a:prstGeom prst="rect">
+            <a:avLst/>
+          </a:prstGeom>
+          <a:noFill/>
+        </p:spPr>
+        <p:txBody>
+          <a:bodyPr wrap="square" rtlCol="0">
+            <a:spAutoFit/>
+          </a:bodyPr>
+          <a:lstStyle/>
+          <a:p>
+            <a:r>
+              <a:rPr lang="en-US" dirty="0"/>
+              <a:t>Pa</a:t>
+            </a:r>
+            <a:r>
+              <a:rPr lang="ro-RO" dirty="0"/>
+              <a:t>și:</a:t>
+            </a:r>
+          </a:p>
+          <a:p>
+            <a:pPr marL="342900" indent="-342900">
+              <a:buFont typeface="Arial" panose="020B0604020202020204" pitchFamily="34" charset="0"/>
+              <a:buChar char="•"/>
+            </a:pPr>
+            <a:r>
+              <a:rPr lang="ro-RO" dirty="0"/>
+              <a:t>Încarcarea si pregatirea datelor</a:t>
+            </a:r>
+          </a:p>
+          <a:p>
+            <a:pPr marL="342900" indent="-342900">
+              <a:buFont typeface="Arial" panose="020B0604020202020204" pitchFamily="34" charset="0"/>
+              <a:buChar char="•"/>
+            </a:pPr>
+            <a:r>
+              <a:rPr lang="ro-RO" dirty="0"/>
+              <a:t>Curățarea datelor</a:t>
+            </a:r>
+          </a:p>
+          <a:p>
+            <a:pPr marL="342900" indent="-342900">
+              <a:buFont typeface="Arial" panose="020B0604020202020204" pitchFamily="34" charset="0"/>
+              <a:buChar char="•"/>
+            </a:pPr>
+            <a:r>
+              <a:rPr lang="ro-RO" dirty="0"/>
+              <a:t>Normalizarea datelor (min-max scaling pe fiecare țară)</a:t>
+            </a:r>
+          </a:p>
+          <a:p>
+            <a:pPr marL="342900" indent="-342900">
+              <a:buFont typeface="Arial" panose="020B0604020202020204" pitchFamily="34" charset="0"/>
+              <a:buChar char="•"/>
+            </a:pPr>
+            <a:r>
+              <a:rPr lang="ro-RO" dirty="0"/>
+              <a:t>Aplicarea algoritmului K-Means (4 clusters)</a:t>
+            </a:r>
+          </a:p>
+          <a:p>
+            <a:pPr marL="342900" indent="-342900">
+              <a:buFont typeface="Arial" panose="020B0604020202020204" pitchFamily="34" charset="0"/>
+              <a:buChar char="•"/>
+            </a:pPr>
+            <a:r>
+              <a:rPr lang="ro-RO" dirty="0"/>
+              <a:t>Extragerea centroizilor</a:t>
+            </a:r>
+          </a:p>
+          <a:p>
+            <a:pPr marL="342900" indent="-342900">
+              <a:buFont typeface="Arial" panose="020B0604020202020204" pitchFamily="34" charset="0"/>
+              <a:buChar char="•"/>
+            </a:pPr>
+            <a:r>
+              <a:rPr lang="ro-RO" dirty="0"/>
+              <a:t>Plotarea rezultatelor</a:t>
+            </a:r>
+          </a:p>
+        </p:txBody>
+      </p:sp>
     </p:spTree>
     <p:extLst>
       <p:ext uri="{BB962C8B-B14F-4D97-AF65-F5344CB8AC3E}">
         <p14:creationId xmlns:p14="http://schemas.microsoft.com/office/powerpoint/2010/main" val="2920255889"/>
+      </p:ext>
+    </p:extLst>
+  </p:cSld>
+  <p:clrMapOvr>
+    <a:masterClrMapping/>
+  </p:clrMapOvr>
+</p:sld>
+</file>
+
+<file path=ppt/slides/slide7.xml><?xml version="1.0" encoding="utf-8"?>
+<p:sld xmlns:a="http://schemas.openxmlformats.org/drawingml/2006/main" xmlns:r="http://schemas.openxmlformats.org/officeDocument/2006/relationships" xmlns:p="http://schemas.openxmlformats.org/presentationml/2006/main">
+  <p:cSld>
+    <p:bg>
+      <p:bgPr>
+        <a:solidFill>
+          <a:schemeClr val="bg1"/>
+        </a:solidFill>
+        <a:effectLst/>
+      </p:bgPr>
+    </p:bg>
+    <p:spTree>
+      <p:nvGrpSpPr>
+        <p:cNvPr id="1" name=""/>
+        <p:cNvGrpSpPr/>
+        <p:nvPr/>
+      </p:nvGrpSpPr>
+      <p:grpSpPr>
+        <a:xfrm>
+          <a:off x="0" y="0"/>
+          <a:ext cx="0" cy="0"/>
+          <a:chOff x="0" y="0"/>
+          <a:chExt cx="0" cy="0"/>
+        </a:xfrm>
+      </p:grpSpPr>
+      <p:sp useBgFill="1">
+        <p:nvSpPr>
+          <p:cNvPr id="8" name="Rectangle 7">
+            <a:extLst>
+              <a:ext uri="{FF2B5EF4-FFF2-40B4-BE49-F238E27FC236}">
+                <a16:creationId xmlns:a16="http://schemas.microsoft.com/office/drawing/2014/main" id="{1B15ED52-F352-441B-82BF-E0EA34836D08}"/>
+              </a:ext>
+              <a:ext uri="{C183D7F6-B498-43B3-948B-1728B52AA6E4}">
+                <adec:decorative xmlns:adec="http://schemas.microsoft.com/office/drawing/2017/decorative" val="1"/>
+              </a:ext>
+            </a:extLst>
+          </p:cNvPr>
+          <p:cNvSpPr>
+            <a:spLocks noGrp="1" noRot="1" noChangeAspect="1" noMove="1" noResize="1" noEditPoints="1" noAdjustHandles="1" noChangeArrowheads="1" noChangeShapeType="1" noTextEdit="1"/>
+          </p:cNvSpPr>
+          <p:nvPr>
+            <p:extLst>
+              <p:ext uri="{386F3935-93C4-4BCD-93E2-E3B085C9AB24}">
+                <p16:designElem xmlns:p16="http://schemas.microsoft.com/office/powerpoint/2015/main" val="1"/>
+              </p:ext>
+            </p:extLst>
+          </p:nvPr>
+        </p:nvSpPr>
+        <p:spPr>
+          <a:xfrm>
+            <a:off x="0" y="0"/>
+            <a:ext cx="12192000" cy="6858000"/>
+          </a:xfrm>
+          <a:prstGeom prst="rect">
+            <a:avLst/>
+          </a:prstGeom>
+          <a:ln w="12700" cap="flat" cmpd="sng" algn="ctr">
+            <a:noFill/>
+            <a:prstDash val="solid"/>
+            <a:miter lim="800000"/>
+          </a:ln>
+          <a:effectLst/>
+          <a:extLst>
+            <a:ext uri="{91240B29-F687-4F45-9708-019B960494DF}">
+              <a14:hiddenLine xmlns:a14="http://schemas.microsoft.com/office/drawing/2010/main" w="12700" cap="flat" cmpd="sng" algn="ctr">
+                <a:solidFill>
+                  <a:schemeClr val="accent1">
+                    <a:shade val="50000"/>
+                  </a:schemeClr>
+                </a:solidFill>
+                <a:prstDash val="solid"/>
+                <a:miter lim="800000"/>
+              </a14:hiddenLine>
+            </a:ext>
+          </a:extLst>
+        </p:spPr>
+        <p:style>
+          <a:lnRef idx="2">
+            <a:schemeClr val="accent1">
+              <a:shade val="50000"/>
+            </a:schemeClr>
+          </a:lnRef>
+          <a:fillRef idx="1">
+            <a:schemeClr val="accent1"/>
+          </a:fillRef>
+          <a:effectRef idx="0">
+            <a:schemeClr val="accent1"/>
+          </a:effectRef>
+          <a:fontRef idx="minor">
+            <a:schemeClr val="lt1"/>
+          </a:fontRef>
+        </p:style>
+        <p:txBody>
+          <a:bodyPr rtlCol="0" anchor="ctr"/>
+          <a:lstStyle/>
+          <a:p>
+            <a:pPr algn="ctr"/>
+            <a:endParaRPr lang="en-US"/>
+          </a:p>
+        </p:txBody>
+      </p:sp>
+      <p:sp>
+        <p:nvSpPr>
+          <p:cNvPr id="10" name="Rectangle 9">
+            <a:extLst>
+              <a:ext uri="{FF2B5EF4-FFF2-40B4-BE49-F238E27FC236}">
+                <a16:creationId xmlns:a16="http://schemas.microsoft.com/office/drawing/2014/main" id="{3B2E3793-BFE6-45A2-9B7B-E18844431C99}"/>
+              </a:ext>
+              <a:ext uri="{C183D7F6-B498-43B3-948B-1728B52AA6E4}">
+                <adec:decorative xmlns:adec="http://schemas.microsoft.com/office/drawing/2017/decorative" val="1"/>
+              </a:ext>
+            </a:extLst>
+          </p:cNvPr>
+          <p:cNvSpPr>
+            <a:spLocks noGrp="1" noRot="1" noChangeAspect="1" noMove="1" noResize="1" noEditPoints="1" noAdjustHandles="1" noChangeArrowheads="1" noChangeShapeType="1" noTextEdit="1"/>
+          </p:cNvSpPr>
+          <p:nvPr>
+            <p:extLst>
+              <p:ext uri="{386F3935-93C4-4BCD-93E2-E3B085C9AB24}">
+                <p16:designElem xmlns:p16="http://schemas.microsoft.com/office/powerpoint/2015/main" val="1"/>
+              </p:ext>
+            </p:extLst>
+          </p:nvPr>
+        </p:nvSpPr>
+        <p:spPr>
+          <a:xfrm flipH="1">
+            <a:off x="-1" y="-1"/>
+            <a:ext cx="12191998" cy="1590742"/>
+          </a:xfrm>
+          <a:prstGeom prst="rect">
+            <a:avLst/>
+          </a:prstGeom>
+          <a:gradFill>
+            <a:gsLst>
+              <a:gs pos="0">
+                <a:srgbClr val="000000"/>
+              </a:gs>
+              <a:gs pos="100000">
+                <a:schemeClr val="accent1">
+                  <a:lumMod val="75000"/>
+                </a:schemeClr>
+              </a:gs>
+            </a:gsLst>
+            <a:lin ang="8400000" scaled="0"/>
+          </a:gradFill>
+          <a:ln>
+            <a:noFill/>
+          </a:ln>
+        </p:spPr>
+        <p:style>
+          <a:lnRef idx="2">
+            <a:schemeClr val="accent1">
+              <a:shade val="50000"/>
+            </a:schemeClr>
+          </a:lnRef>
+          <a:fillRef idx="1">
+            <a:schemeClr val="accent1"/>
+          </a:fillRef>
+          <a:effectRef idx="0">
+            <a:schemeClr val="accent1"/>
+          </a:effectRef>
+          <a:fontRef idx="minor">
+            <a:schemeClr val="lt1"/>
+          </a:fontRef>
+        </p:style>
+        <p:txBody>
+          <a:bodyPr rtlCol="0" anchor="ctr"/>
+          <a:lstStyle/>
+          <a:p>
+            <a:pPr algn="ctr"/>
+            <a:endParaRPr lang="en-US"/>
+          </a:p>
+        </p:txBody>
+      </p:sp>
+      <p:sp>
+        <p:nvSpPr>
+          <p:cNvPr id="12" name="Rectangle 11">
+            <a:extLst>
+              <a:ext uri="{FF2B5EF4-FFF2-40B4-BE49-F238E27FC236}">
+                <a16:creationId xmlns:a16="http://schemas.microsoft.com/office/drawing/2014/main" id="{BC4C4868-CB8F-4AF9-9CDB-8108F2C19B67}"/>
+              </a:ext>
+              <a:ext uri="{C183D7F6-B498-43B3-948B-1728B52AA6E4}">
+                <adec:decorative xmlns:adec="http://schemas.microsoft.com/office/drawing/2017/decorative" val="1"/>
+              </a:ext>
+            </a:extLst>
+          </p:cNvPr>
+          <p:cNvSpPr>
+            <a:spLocks noGrp="1" noRot="1" noChangeAspect="1" noMove="1" noResize="1" noEditPoints="1" noAdjustHandles="1" noChangeArrowheads="1" noChangeShapeType="1" noTextEdit="1"/>
+          </p:cNvSpPr>
+          <p:nvPr>
+            <p:extLst>
+              <p:ext uri="{386F3935-93C4-4BCD-93E2-E3B085C9AB24}">
+                <p16:designElem xmlns:p16="http://schemas.microsoft.com/office/powerpoint/2015/main" val="1"/>
+              </p:ext>
+            </p:extLst>
+          </p:nvPr>
+        </p:nvSpPr>
+        <p:spPr>
+          <a:xfrm rot="10800000" flipH="1">
+            <a:off x="-3" y="0"/>
+            <a:ext cx="8115306" cy="1590742"/>
+          </a:xfrm>
+          <a:prstGeom prst="rect">
+            <a:avLst/>
+          </a:prstGeom>
+          <a:gradFill>
+            <a:gsLst>
+              <a:gs pos="20000">
+                <a:schemeClr val="accent1">
+                  <a:alpha val="0"/>
+                </a:schemeClr>
+              </a:gs>
+              <a:gs pos="100000">
+                <a:schemeClr val="accent1">
+                  <a:lumMod val="50000"/>
+                  <a:alpha val="55000"/>
+                </a:schemeClr>
+              </a:gs>
+            </a:gsLst>
+            <a:lin ang="13800000" scaled="0"/>
+          </a:gradFill>
+          <a:ln>
+            <a:noFill/>
+          </a:ln>
+        </p:spPr>
+        <p:style>
+          <a:lnRef idx="2">
+            <a:schemeClr val="accent1">
+              <a:shade val="50000"/>
+            </a:schemeClr>
+          </a:lnRef>
+          <a:fillRef idx="1">
+            <a:schemeClr val="accent1"/>
+          </a:fillRef>
+          <a:effectRef idx="0">
+            <a:schemeClr val="accent1"/>
+          </a:effectRef>
+          <a:fontRef idx="minor">
+            <a:schemeClr val="lt1"/>
+          </a:fontRef>
+        </p:style>
+        <p:txBody>
+          <a:bodyPr rtlCol="0" anchor="ctr"/>
+          <a:lstStyle/>
+          <a:p>
+            <a:pPr algn="ctr"/>
+            <a:endParaRPr lang="en-US"/>
+          </a:p>
+        </p:txBody>
+      </p:sp>
+      <p:sp>
+        <p:nvSpPr>
+          <p:cNvPr id="14" name="Rectangle 13">
+            <a:extLst>
+              <a:ext uri="{FF2B5EF4-FFF2-40B4-BE49-F238E27FC236}">
+                <a16:creationId xmlns:a16="http://schemas.microsoft.com/office/drawing/2014/main" id="{375E0459-6403-40CD-989D-56A4407CA12E}"/>
+              </a:ext>
+              <a:ext uri="{C183D7F6-B498-43B3-948B-1728B52AA6E4}">
+                <adec:decorative xmlns:adec="http://schemas.microsoft.com/office/drawing/2017/decorative" val="1"/>
+              </a:ext>
+            </a:extLst>
+          </p:cNvPr>
+          <p:cNvSpPr>
+            <a:spLocks noGrp="1" noRot="1" noChangeAspect="1" noMove="1" noResize="1" noEditPoints="1" noAdjustHandles="1" noChangeArrowheads="1" noChangeShapeType="1" noTextEdit="1"/>
+          </p:cNvSpPr>
+          <p:nvPr>
+            <p:extLst>
+              <p:ext uri="{386F3935-93C4-4BCD-93E2-E3B085C9AB24}">
+                <p16:designElem xmlns:p16="http://schemas.microsoft.com/office/powerpoint/2015/main" val="1"/>
+              </p:ext>
+            </p:extLst>
+          </p:nvPr>
+        </p:nvSpPr>
+        <p:spPr>
+          <a:xfrm flipH="1">
+            <a:off x="8115299" y="-1"/>
+            <a:ext cx="4076698" cy="1590742"/>
+          </a:xfrm>
+          <a:prstGeom prst="rect">
+            <a:avLst/>
+          </a:prstGeom>
+          <a:gradFill>
+            <a:gsLst>
+              <a:gs pos="0">
+                <a:schemeClr val="accent1">
+                  <a:alpha val="66000"/>
+                </a:schemeClr>
+              </a:gs>
+              <a:gs pos="100000">
+                <a:srgbClr val="000000">
+                  <a:alpha val="30000"/>
+                </a:srgbClr>
+              </a:gs>
+            </a:gsLst>
+            <a:lin ang="13200000" scaled="0"/>
+          </a:gradFill>
+          <a:ln>
+            <a:noFill/>
+          </a:ln>
+        </p:spPr>
+        <p:style>
+          <a:lnRef idx="2">
+            <a:schemeClr val="accent1">
+              <a:shade val="50000"/>
+            </a:schemeClr>
+          </a:lnRef>
+          <a:fillRef idx="1">
+            <a:schemeClr val="accent1"/>
+          </a:fillRef>
+          <a:effectRef idx="0">
+            <a:schemeClr val="accent1"/>
+          </a:effectRef>
+          <a:fontRef idx="minor">
+            <a:schemeClr val="lt1"/>
+          </a:fontRef>
+        </p:style>
+        <p:txBody>
+          <a:bodyPr rtlCol="0" anchor="ctr"/>
+          <a:lstStyle/>
+          <a:p>
+            <a:pPr algn="ctr"/>
+            <a:endParaRPr lang="en-US"/>
+          </a:p>
+        </p:txBody>
+      </p:sp>
+      <p:sp>
+        <p:nvSpPr>
+          <p:cNvPr id="16" name="Rectangle 15">
+            <a:extLst>
+              <a:ext uri="{FF2B5EF4-FFF2-40B4-BE49-F238E27FC236}">
+                <a16:creationId xmlns:a16="http://schemas.microsoft.com/office/drawing/2014/main" id="{53E5B1A8-3AC9-4BD1-9BBC-78CA94F2D1BA}"/>
+              </a:ext>
+              <a:ext uri="{C183D7F6-B498-43B3-948B-1728B52AA6E4}">
+                <adec:decorative xmlns:adec="http://schemas.microsoft.com/office/drawing/2017/decorative" val="1"/>
+              </a:ext>
+            </a:extLst>
+          </p:cNvPr>
+          <p:cNvSpPr>
+            <a:spLocks noGrp="1" noRot="1" noChangeAspect="1" noMove="1" noResize="1" noEditPoints="1" noAdjustHandles="1" noChangeArrowheads="1" noChangeShapeType="1" noTextEdit="1"/>
+          </p:cNvSpPr>
+          <p:nvPr>
+            <p:extLst>
+              <p:ext uri="{386F3935-93C4-4BCD-93E2-E3B085C9AB24}">
+                <p16:designElem xmlns:p16="http://schemas.microsoft.com/office/powerpoint/2015/main" val="1"/>
+              </p:ext>
+            </p:extLst>
+          </p:nvPr>
+        </p:nvSpPr>
+        <p:spPr>
+          <a:xfrm>
+            <a:off x="459350" y="-1"/>
+            <a:ext cx="11732646" cy="1597433"/>
+          </a:xfrm>
+          <a:prstGeom prst="rect">
+            <a:avLst/>
+          </a:prstGeom>
+          <a:gradFill>
+            <a:gsLst>
+              <a:gs pos="50000">
+                <a:srgbClr val="000000">
+                  <a:alpha val="0"/>
+                </a:srgbClr>
+              </a:gs>
+              <a:gs pos="99000">
+                <a:schemeClr val="accent1">
+                  <a:lumMod val="50000"/>
+                  <a:alpha val="52000"/>
+                </a:schemeClr>
+              </a:gs>
+            </a:gsLst>
+            <a:lin ang="16800000" scaled="0"/>
+          </a:gradFill>
+          <a:ln>
+            <a:noFill/>
+          </a:ln>
+        </p:spPr>
+        <p:style>
+          <a:lnRef idx="2">
+            <a:schemeClr val="accent1">
+              <a:shade val="50000"/>
+            </a:schemeClr>
+          </a:lnRef>
+          <a:fillRef idx="1">
+            <a:schemeClr val="accent1"/>
+          </a:fillRef>
+          <a:effectRef idx="0">
+            <a:schemeClr val="accent1"/>
+          </a:effectRef>
+          <a:fontRef idx="minor">
+            <a:schemeClr val="lt1"/>
+          </a:fontRef>
+        </p:style>
+        <p:txBody>
+          <a:bodyPr rtlCol="0" anchor="ctr"/>
+          <a:lstStyle/>
+          <a:p>
+            <a:pPr algn="ctr"/>
+            <a:endParaRPr lang="en-US"/>
+          </a:p>
+        </p:txBody>
+      </p:sp>
+      <p:sp>
+        <p:nvSpPr>
+          <p:cNvPr id="2" name="Title 1">
+            <a:extLst>
+              <a:ext uri="{FF2B5EF4-FFF2-40B4-BE49-F238E27FC236}">
+                <a16:creationId xmlns:a16="http://schemas.microsoft.com/office/drawing/2014/main" id="{9B7C676E-0B01-2AE8-C278-02743F2FD21C}"/>
+              </a:ext>
+            </a:extLst>
+          </p:cNvPr>
+          <p:cNvSpPr>
+            <a:spLocks noGrp="1"/>
+          </p:cNvSpPr>
+          <p:nvPr>
+            <p:ph type="title"/>
+          </p:nvPr>
+        </p:nvSpPr>
+        <p:spPr>
+          <a:xfrm>
+            <a:off x="1371599" y="294538"/>
+            <a:ext cx="9895951" cy="1033669"/>
+          </a:xfrm>
+        </p:spPr>
+        <p:txBody>
+          <a:bodyPr>
+            <a:normAutofit/>
+          </a:bodyPr>
+          <a:lstStyle/>
+          <a:p>
+            <a:r>
+              <a:rPr lang="ro-RO" sz="4000" dirty="0">
+                <a:solidFill>
+                  <a:srgbClr val="FFFFFF"/>
+                </a:solidFill>
+              </a:rPr>
+              <a:t>Rezultate obținute (3)</a:t>
+            </a:r>
+          </a:p>
+        </p:txBody>
+      </p:sp>
+      <p:pic>
+        <p:nvPicPr>
+          <p:cNvPr id="4" name="Picture 3">
+            <a:extLst>
+              <a:ext uri="{FF2B5EF4-FFF2-40B4-BE49-F238E27FC236}">
+                <a16:creationId xmlns:a16="http://schemas.microsoft.com/office/drawing/2014/main" id="{2E57BC0E-0DFA-7B89-0550-CD8047AF1B47}"/>
+              </a:ext>
+            </a:extLst>
+          </p:cNvPr>
+          <p:cNvPicPr>
+            <a:picLocks noChangeAspect="1"/>
+          </p:cNvPicPr>
+          <p:nvPr/>
+        </p:nvPicPr>
+        <p:blipFill>
+          <a:blip r:embed="rId2"/>
+          <a:stretch>
+            <a:fillRect/>
+          </a:stretch>
+        </p:blipFill>
+        <p:spPr>
+          <a:xfrm>
+            <a:off x="662550" y="2688812"/>
+            <a:ext cx="5348916" cy="2668238"/>
+          </a:xfrm>
+          <a:prstGeom prst="rect">
+            <a:avLst/>
+          </a:prstGeom>
+        </p:spPr>
+      </p:pic>
+      <p:sp>
+        <p:nvSpPr>
+          <p:cNvPr id="7" name="TextBox 6">
+            <a:extLst>
+              <a:ext uri="{FF2B5EF4-FFF2-40B4-BE49-F238E27FC236}">
+                <a16:creationId xmlns:a16="http://schemas.microsoft.com/office/drawing/2014/main" id="{19ADC585-6AD5-B68C-8871-14E0D3A616B7}"/>
+              </a:ext>
+            </a:extLst>
+          </p:cNvPr>
+          <p:cNvSpPr txBox="1"/>
+          <p:nvPr/>
+        </p:nvSpPr>
+        <p:spPr>
+          <a:xfrm>
+            <a:off x="762000" y="1681457"/>
+            <a:ext cx="4744719" cy="923330"/>
+          </a:xfrm>
+          <a:prstGeom prst="rect">
+            <a:avLst/>
+          </a:prstGeom>
+          <a:noFill/>
+        </p:spPr>
+        <p:txBody>
+          <a:bodyPr wrap="square" rtlCol="0">
+            <a:spAutoFit/>
+          </a:bodyPr>
+          <a:lstStyle/>
+          <a:p>
+            <a:r>
+              <a:rPr lang="ro-RO" kern="0" dirty="0">
+                <a:latin typeface="Times New Roman" panose="02020603050405020304" pitchFamily="18" charset="0"/>
+                <a:ea typeface="Aptos" panose="020B0004020202020204" pitchFamily="34" charset="0"/>
+              </a:rPr>
+              <a:t>A</a:t>
+            </a:r>
+            <a:r>
+              <a:rPr lang="ro-RO" sz="1800" kern="0" dirty="0">
+                <a:effectLst/>
+                <a:latin typeface="Times New Roman" panose="02020603050405020304" pitchFamily="18" charset="0"/>
+                <a:ea typeface="Aptos" panose="020B0004020202020204" pitchFamily="34" charset="0"/>
+              </a:rPr>
+              <a:t>naliza volatilității consumului e energie primară prin intermediul abaterii standard (standard deviation) anuale a variației consumului</a:t>
+            </a:r>
+            <a:endParaRPr lang="ro-RO" dirty="0"/>
+          </a:p>
+        </p:txBody>
+      </p:sp>
+      <p:sp>
+        <p:nvSpPr>
+          <p:cNvPr id="9" name="TextBox 8">
+            <a:extLst>
+              <a:ext uri="{FF2B5EF4-FFF2-40B4-BE49-F238E27FC236}">
+                <a16:creationId xmlns:a16="http://schemas.microsoft.com/office/drawing/2014/main" id="{149DCBE5-DB76-AF34-A0FF-D6E340700C55}"/>
+              </a:ext>
+            </a:extLst>
+          </p:cNvPr>
+          <p:cNvSpPr txBox="1"/>
+          <p:nvPr/>
+        </p:nvSpPr>
+        <p:spPr>
+          <a:xfrm>
+            <a:off x="662550" y="5567680"/>
+            <a:ext cx="4937759" cy="646331"/>
+          </a:xfrm>
+          <a:prstGeom prst="rect">
+            <a:avLst/>
+          </a:prstGeom>
+          <a:noFill/>
+        </p:spPr>
+        <p:txBody>
+          <a:bodyPr wrap="square" rtlCol="0">
+            <a:spAutoFit/>
+          </a:bodyPr>
+          <a:lstStyle/>
+          <a:p>
+            <a:r>
+              <a:rPr lang="ro-RO" kern="0" dirty="0">
+                <a:latin typeface="Times New Roman" panose="02020603050405020304" pitchFamily="18" charset="0"/>
+                <a:ea typeface="Aptos" panose="020B0004020202020204" pitchFamily="34" charset="0"/>
+              </a:rPr>
+              <a:t>I</a:t>
+            </a:r>
+            <a:r>
+              <a:rPr lang="ro-RO" sz="1800" kern="0" dirty="0">
+                <a:effectLst/>
+                <a:latin typeface="Times New Roman" panose="02020603050405020304" pitchFamily="18" charset="0"/>
+                <a:ea typeface="Aptos" panose="020B0004020202020204" pitchFamily="34" charset="0"/>
+              </a:rPr>
+              <a:t>magine comparativă între țări din punct de vedere al stabilității istorice a cererii energetice</a:t>
+            </a:r>
+            <a:endParaRPr lang="ro-RO" dirty="0"/>
+          </a:p>
+        </p:txBody>
+      </p:sp>
+      <p:sp>
+        <p:nvSpPr>
+          <p:cNvPr id="13" name="TextBox 12">
+            <a:extLst>
+              <a:ext uri="{FF2B5EF4-FFF2-40B4-BE49-F238E27FC236}">
+                <a16:creationId xmlns:a16="http://schemas.microsoft.com/office/drawing/2014/main" id="{64F57F47-A777-AE91-9E62-197D9402DE63}"/>
+              </a:ext>
+            </a:extLst>
+          </p:cNvPr>
+          <p:cNvSpPr txBox="1"/>
+          <p:nvPr/>
+        </p:nvSpPr>
+        <p:spPr>
+          <a:xfrm>
+            <a:off x="6362309" y="1767807"/>
+            <a:ext cx="5167141" cy="4796185"/>
+          </a:xfrm>
+          <a:prstGeom prst="rect">
+            <a:avLst/>
+          </a:prstGeom>
+          <a:noFill/>
+        </p:spPr>
+        <p:txBody>
+          <a:bodyPr wrap="square" rtlCol="0">
+            <a:spAutoFit/>
+          </a:bodyPr>
+          <a:lstStyle/>
+          <a:p>
+            <a:r>
+              <a:rPr lang="en-US" sz="1600" dirty="0"/>
+              <a:t>Pa</a:t>
+            </a:r>
+            <a:r>
+              <a:rPr lang="ro-RO" sz="1600" dirty="0"/>
+              <a:t>și:</a:t>
+            </a:r>
+          </a:p>
+          <a:p>
+            <a:pPr marL="342900" indent="-342900">
+              <a:buFont typeface="Arial" panose="020B0604020202020204" pitchFamily="34" charset="0"/>
+              <a:buChar char="•"/>
+            </a:pPr>
+            <a:r>
+              <a:rPr lang="ro-RO" sz="1600" kern="0" dirty="0">
+                <a:effectLst/>
+                <a:latin typeface="Times New Roman" panose="02020603050405020304" pitchFamily="18" charset="0"/>
+                <a:ea typeface="Aptos" panose="020B0004020202020204" pitchFamily="34" charset="0"/>
+              </a:rPr>
+              <a:t>Datele au fost sortate cronologic pentru fiecare țară</a:t>
+            </a:r>
+          </a:p>
+          <a:p>
+            <a:pPr marL="342900" indent="-342900">
+              <a:buFont typeface="Arial" panose="020B0604020202020204" pitchFamily="34" charset="0"/>
+              <a:buChar char="•"/>
+            </a:pPr>
+            <a:r>
+              <a:rPr lang="ro-RO" sz="1600" kern="0" dirty="0">
+                <a:effectLst/>
+                <a:latin typeface="Times New Roman" panose="02020603050405020304" pitchFamily="18" charset="0"/>
+                <a:ea typeface="Aptos" panose="020B0004020202020204" pitchFamily="34" charset="0"/>
+              </a:rPr>
+              <a:t>A fost calculată variația anuală a consumului (denumită „Year-over-Year Change”):</a:t>
+            </a:r>
+            <a:endParaRPr lang="ro-RO" sz="1600" kern="0" dirty="0">
+              <a:latin typeface="Times New Roman" panose="02020603050405020304" pitchFamily="18" charset="0"/>
+              <a:ea typeface="Aptos" panose="020B0004020202020204" pitchFamily="34" charset="0"/>
+            </a:endParaRPr>
+          </a:p>
+          <a:p>
+            <a:pPr marL="228600" marR="0">
+              <a:lnSpc>
+                <a:spcPct val="115000"/>
+              </a:lnSpc>
+              <a:spcBef>
+                <a:spcPts val="0"/>
+              </a:spcBef>
+              <a:spcAft>
+                <a:spcPts val="0"/>
+              </a:spcAft>
+            </a:pPr>
+            <a:r>
+              <a:rPr lang="ro-RO" sz="1600" kern="100" dirty="0">
+                <a:effectLst/>
+                <a:latin typeface="Times New Roman" panose="02020603050405020304" pitchFamily="18" charset="0"/>
+                <a:ea typeface="Aptos" panose="020B0004020202020204" pitchFamily="34" charset="0"/>
+                <a:cs typeface="Times New Roman" panose="02020603050405020304" pitchFamily="18" charset="0"/>
+              </a:rPr>
+              <a:t>ΔEi = Ei − Ei−1</a:t>
+            </a:r>
+            <a:endParaRPr lang="ro-RO" sz="1600" kern="100" dirty="0">
+              <a:effectLst/>
+              <a:latin typeface="Aptos" panose="020B0004020202020204" pitchFamily="34" charset="0"/>
+              <a:ea typeface="Aptos" panose="020B0004020202020204" pitchFamily="34" charset="0"/>
+              <a:cs typeface="Times New Roman" panose="02020603050405020304" pitchFamily="18" charset="0"/>
+            </a:endParaRPr>
+          </a:p>
+          <a:p>
+            <a:pPr marL="228600" marR="0">
+              <a:lnSpc>
+                <a:spcPct val="115000"/>
+              </a:lnSpc>
+              <a:spcBef>
+                <a:spcPts val="0"/>
+              </a:spcBef>
+              <a:spcAft>
+                <a:spcPts val="800"/>
+              </a:spcAft>
+            </a:pPr>
+            <a:r>
+              <a:rPr lang="ro-RO" sz="1600" kern="100" dirty="0">
+                <a:effectLst/>
+                <a:latin typeface="Times New Roman" panose="02020603050405020304" pitchFamily="18" charset="0"/>
+                <a:ea typeface="Aptos" panose="020B0004020202020204" pitchFamily="34" charset="0"/>
+                <a:cs typeface="Times New Roman" panose="02020603050405020304" pitchFamily="18" charset="0"/>
+              </a:rPr>
+              <a:t>unde:</a:t>
+            </a:r>
+            <a:br>
+              <a:rPr lang="ro-RO" sz="1600" kern="100" dirty="0">
+                <a:effectLst/>
+                <a:latin typeface="Times New Roman" panose="02020603050405020304" pitchFamily="18" charset="0"/>
+                <a:ea typeface="Aptos" panose="020B0004020202020204" pitchFamily="34" charset="0"/>
+                <a:cs typeface="Times New Roman" panose="02020603050405020304" pitchFamily="18" charset="0"/>
+              </a:rPr>
+            </a:br>
+            <a:r>
+              <a:rPr lang="ro-RO" sz="1600" kern="100" dirty="0">
+                <a:effectLst/>
+                <a:latin typeface="Times New Roman" panose="02020603050405020304" pitchFamily="18" charset="0"/>
+                <a:ea typeface="Aptos" panose="020B0004020202020204" pitchFamily="34" charset="0"/>
+                <a:cs typeface="Times New Roman" panose="02020603050405020304" pitchFamily="18" charset="0"/>
+              </a:rPr>
+              <a:t> - Ei : consumul de energie primară în anul i;</a:t>
+            </a:r>
+            <a:br>
+              <a:rPr lang="ro-RO" sz="1600" kern="100" dirty="0">
+                <a:effectLst/>
+                <a:latin typeface="Times New Roman" panose="02020603050405020304" pitchFamily="18" charset="0"/>
+                <a:ea typeface="Aptos" panose="020B0004020202020204" pitchFamily="34" charset="0"/>
+                <a:cs typeface="Times New Roman" panose="02020603050405020304" pitchFamily="18" charset="0"/>
+              </a:rPr>
+            </a:br>
+            <a:r>
+              <a:rPr lang="ro-RO" sz="1600" kern="100" dirty="0">
+                <a:effectLst/>
+                <a:latin typeface="Times New Roman" panose="02020603050405020304" pitchFamily="18" charset="0"/>
+                <a:ea typeface="Aptos" panose="020B0004020202020204" pitchFamily="34" charset="0"/>
+                <a:cs typeface="Times New Roman" panose="02020603050405020304" pitchFamily="18" charset="0"/>
+              </a:rPr>
+              <a:t> - ΔEi : diferența față de anul precedent.</a:t>
+            </a:r>
+            <a:endParaRPr lang="ro-RO" sz="1600" kern="100" dirty="0">
+              <a:effectLst/>
+              <a:latin typeface="Aptos" panose="020B0004020202020204" pitchFamily="34" charset="0"/>
+              <a:ea typeface="Aptos" panose="020B0004020202020204" pitchFamily="34" charset="0"/>
+              <a:cs typeface="Times New Roman" panose="02020603050405020304" pitchFamily="18" charset="0"/>
+            </a:endParaRPr>
+          </a:p>
+          <a:p>
+            <a:pPr marL="342900" marR="0" lvl="0" indent="-342900" algn="just">
+              <a:lnSpc>
+                <a:spcPct val="150000"/>
+              </a:lnSpc>
+              <a:spcBef>
+                <a:spcPts val="0"/>
+              </a:spcBef>
+              <a:spcAft>
+                <a:spcPts val="1000"/>
+              </a:spcAft>
+              <a:buFont typeface="Symbol" panose="05050102010706020507" pitchFamily="18" charset="2"/>
+              <a:buChar char=""/>
+            </a:pPr>
+            <a:r>
+              <a:rPr lang="ro-RO" sz="1600" dirty="0">
+                <a:effectLst/>
+                <a:latin typeface="Times New Roman" panose="02020603050405020304" pitchFamily="18" charset="0"/>
+                <a:ea typeface="Aptos" panose="020B0004020202020204" pitchFamily="34" charset="0"/>
+                <a:cs typeface="Times New Roman" panose="02020603050405020304" pitchFamily="18" charset="0"/>
+              </a:rPr>
+              <a:t>Pentru fiecare țară, s-a calculat abaterea standard a acestor variații anuale:</a:t>
+            </a:r>
+          </a:p>
+          <a:p>
+            <a:pPr marL="228600" marR="0">
+              <a:lnSpc>
+                <a:spcPct val="115000"/>
+              </a:lnSpc>
+              <a:spcBef>
+                <a:spcPts val="0"/>
+              </a:spcBef>
+              <a:spcAft>
+                <a:spcPts val="800"/>
+              </a:spcAft>
+            </a:pPr>
+            <a:r>
+              <a:rPr lang="ro-RO" sz="1600" kern="100" dirty="0">
+                <a:effectLst/>
+                <a:latin typeface="Times New Roman" panose="02020603050405020304" pitchFamily="18" charset="0"/>
+                <a:ea typeface="Aptos" panose="020B0004020202020204" pitchFamily="34" charset="0"/>
+                <a:cs typeface="Times New Roman" panose="02020603050405020304" pitchFamily="18" charset="0"/>
+              </a:rPr>
+              <a:t>σ = √(∑(ΔEi − μ)² / n)</a:t>
+            </a:r>
+            <a:endParaRPr lang="ro-RO" sz="1600" kern="100" dirty="0">
+              <a:effectLst/>
+              <a:latin typeface="Aptos" panose="020B0004020202020204" pitchFamily="34" charset="0"/>
+              <a:ea typeface="Aptos" panose="020B0004020202020204" pitchFamily="34" charset="0"/>
+              <a:cs typeface="Times New Roman" panose="02020603050405020304" pitchFamily="18" charset="0"/>
+            </a:endParaRPr>
+          </a:p>
+          <a:p>
+            <a:r>
+              <a:rPr lang="ro-RO" sz="1600" kern="0" dirty="0">
+                <a:effectLst/>
+                <a:latin typeface="Times New Roman" panose="02020603050405020304" pitchFamily="18" charset="0"/>
+                <a:ea typeface="Aptos" panose="020B0004020202020204" pitchFamily="34" charset="0"/>
+              </a:rPr>
+              <a:t> unde:</a:t>
+            </a:r>
+            <a:br>
+              <a:rPr lang="ro-RO" sz="1600" kern="0" dirty="0">
+                <a:effectLst/>
+                <a:latin typeface="Times New Roman" panose="02020603050405020304" pitchFamily="18" charset="0"/>
+                <a:ea typeface="Aptos" panose="020B0004020202020204" pitchFamily="34" charset="0"/>
+              </a:rPr>
+            </a:br>
+            <a:r>
+              <a:rPr lang="ro-RO" sz="1600" kern="0" dirty="0">
+                <a:effectLst/>
+                <a:latin typeface="Times New Roman" panose="02020603050405020304" pitchFamily="18" charset="0"/>
+                <a:ea typeface="Aptos" panose="020B0004020202020204" pitchFamily="34" charset="0"/>
+              </a:rPr>
+              <a:t> - μ : media variațiilor anuale pentru acea țară;</a:t>
+            </a:r>
+            <a:br>
+              <a:rPr lang="ro-RO" sz="1600" kern="0" dirty="0">
+                <a:effectLst/>
+                <a:latin typeface="Times New Roman" panose="02020603050405020304" pitchFamily="18" charset="0"/>
+                <a:ea typeface="Aptos" panose="020B0004020202020204" pitchFamily="34" charset="0"/>
+              </a:rPr>
+            </a:br>
+            <a:r>
+              <a:rPr lang="ro-RO" sz="1600" kern="0" dirty="0">
+                <a:effectLst/>
+                <a:latin typeface="Times New Roman" panose="02020603050405020304" pitchFamily="18" charset="0"/>
+                <a:ea typeface="Aptos" panose="020B0004020202020204" pitchFamily="34" charset="0"/>
+              </a:rPr>
+              <a:t> - n : numărul de ani luați în considerare;</a:t>
+            </a:r>
+            <a:br>
+              <a:rPr lang="ro-RO" sz="1600" kern="0" dirty="0">
+                <a:effectLst/>
+                <a:latin typeface="Times New Roman" panose="02020603050405020304" pitchFamily="18" charset="0"/>
+                <a:ea typeface="Aptos" panose="020B0004020202020204" pitchFamily="34" charset="0"/>
+              </a:rPr>
+            </a:br>
+            <a:r>
+              <a:rPr lang="ro-RO" sz="1600" kern="0" dirty="0">
+                <a:effectLst/>
+                <a:latin typeface="Times New Roman" panose="02020603050405020304" pitchFamily="18" charset="0"/>
+                <a:ea typeface="Aptos" panose="020B0004020202020204" pitchFamily="34" charset="0"/>
+              </a:rPr>
+              <a:t> - σ : abaterea standard (standard deviation) a variațiilor anuale.</a:t>
+            </a:r>
+            <a:endParaRPr lang="ro-RO" sz="1600" dirty="0"/>
+          </a:p>
+        </p:txBody>
+      </p:sp>
+    </p:spTree>
+    <p:extLst>
+      <p:ext uri="{BB962C8B-B14F-4D97-AF65-F5344CB8AC3E}">
+        <p14:creationId xmlns:p14="http://schemas.microsoft.com/office/powerpoint/2010/main" val="3254438255"/>
       </p:ext>
     </p:extLst>
   </p:cSld>

--- a/documentation/Presentation Ovidiu Pop.pptx
+++ b/documentation/Presentation Ovidiu Pop.pptx
@@ -12,6 +12,10 @@
     <p:sldId id="260" r:id="rId6"/>
     <p:sldId id="261" r:id="rId7"/>
     <p:sldId id="262" r:id="rId8"/>
+    <p:sldId id="264" r:id="rId9"/>
+    <p:sldId id="265" r:id="rId10"/>
+    <p:sldId id="266" r:id="rId11"/>
+    <p:sldId id="267" r:id="rId12"/>
   </p:sldIdLst>
   <p:sldSz cx="12192000" cy="6858000"/>
   <p:notesSz cx="6858000" cy="9144000"/>
@@ -3932,6 +3936,1002 @@
 </p:sld>
 </file>
 
+<file path=ppt/slides/slide10.xml><?xml version="1.0" encoding="utf-8"?>
+<p:sld xmlns:a="http://schemas.openxmlformats.org/drawingml/2006/main" xmlns:r="http://schemas.openxmlformats.org/officeDocument/2006/relationships" xmlns:p="http://schemas.openxmlformats.org/presentationml/2006/main">
+  <p:cSld>
+    <p:bg>
+      <p:bgPr>
+        <a:solidFill>
+          <a:schemeClr val="bg1"/>
+        </a:solidFill>
+        <a:effectLst/>
+      </p:bgPr>
+    </p:bg>
+    <p:spTree>
+      <p:nvGrpSpPr>
+        <p:cNvPr id="1" name=""/>
+        <p:cNvGrpSpPr/>
+        <p:nvPr/>
+      </p:nvGrpSpPr>
+      <p:grpSpPr>
+        <a:xfrm>
+          <a:off x="0" y="0"/>
+          <a:ext cx="0" cy="0"/>
+          <a:chOff x="0" y="0"/>
+          <a:chExt cx="0" cy="0"/>
+        </a:xfrm>
+      </p:grpSpPr>
+      <p:sp useBgFill="1">
+        <p:nvSpPr>
+          <p:cNvPr id="8" name="Rectangle 7">
+            <a:extLst>
+              <a:ext uri="{FF2B5EF4-FFF2-40B4-BE49-F238E27FC236}">
+                <a16:creationId xmlns:a16="http://schemas.microsoft.com/office/drawing/2014/main" id="{1B15ED52-F352-441B-82BF-E0EA34836D08}"/>
+              </a:ext>
+              <a:ext uri="{C183D7F6-B498-43B3-948B-1728B52AA6E4}">
+                <adec:decorative xmlns:adec="http://schemas.microsoft.com/office/drawing/2017/decorative" val="1"/>
+              </a:ext>
+            </a:extLst>
+          </p:cNvPr>
+          <p:cNvSpPr>
+            <a:spLocks noGrp="1" noRot="1" noChangeAspect="1" noMove="1" noResize="1" noEditPoints="1" noAdjustHandles="1" noChangeArrowheads="1" noChangeShapeType="1" noTextEdit="1"/>
+          </p:cNvSpPr>
+          <p:nvPr>
+            <p:extLst>
+              <p:ext uri="{386F3935-93C4-4BCD-93E2-E3B085C9AB24}">
+                <p16:designElem xmlns:p16="http://schemas.microsoft.com/office/powerpoint/2015/main" val="1"/>
+              </p:ext>
+            </p:extLst>
+          </p:nvPr>
+        </p:nvSpPr>
+        <p:spPr>
+          <a:xfrm>
+            <a:off x="0" y="0"/>
+            <a:ext cx="12192000" cy="6858000"/>
+          </a:xfrm>
+          <a:prstGeom prst="rect">
+            <a:avLst/>
+          </a:prstGeom>
+          <a:ln w="12700" cap="flat" cmpd="sng" algn="ctr">
+            <a:noFill/>
+            <a:prstDash val="solid"/>
+            <a:miter lim="800000"/>
+          </a:ln>
+          <a:effectLst/>
+          <a:extLst>
+            <a:ext uri="{91240B29-F687-4F45-9708-019B960494DF}">
+              <a14:hiddenLine xmlns:a14="http://schemas.microsoft.com/office/drawing/2010/main" w="12700" cap="flat" cmpd="sng" algn="ctr">
+                <a:solidFill>
+                  <a:schemeClr val="accent1">
+                    <a:shade val="50000"/>
+                  </a:schemeClr>
+                </a:solidFill>
+                <a:prstDash val="solid"/>
+                <a:miter lim="800000"/>
+              </a14:hiddenLine>
+            </a:ext>
+          </a:extLst>
+        </p:spPr>
+        <p:style>
+          <a:lnRef idx="2">
+            <a:schemeClr val="accent1">
+              <a:shade val="50000"/>
+            </a:schemeClr>
+          </a:lnRef>
+          <a:fillRef idx="1">
+            <a:schemeClr val="accent1"/>
+          </a:fillRef>
+          <a:effectRef idx="0">
+            <a:schemeClr val="accent1"/>
+          </a:effectRef>
+          <a:fontRef idx="minor">
+            <a:schemeClr val="lt1"/>
+          </a:fontRef>
+        </p:style>
+        <p:txBody>
+          <a:bodyPr rtlCol="0" anchor="ctr"/>
+          <a:lstStyle/>
+          <a:p>
+            <a:pPr algn="ctr"/>
+            <a:endParaRPr lang="en-US"/>
+          </a:p>
+        </p:txBody>
+      </p:sp>
+      <p:sp>
+        <p:nvSpPr>
+          <p:cNvPr id="10" name="Rectangle 9">
+            <a:extLst>
+              <a:ext uri="{FF2B5EF4-FFF2-40B4-BE49-F238E27FC236}">
+                <a16:creationId xmlns:a16="http://schemas.microsoft.com/office/drawing/2014/main" id="{3B2E3793-BFE6-45A2-9B7B-E18844431C99}"/>
+              </a:ext>
+              <a:ext uri="{C183D7F6-B498-43B3-948B-1728B52AA6E4}">
+                <adec:decorative xmlns:adec="http://schemas.microsoft.com/office/drawing/2017/decorative" val="1"/>
+              </a:ext>
+            </a:extLst>
+          </p:cNvPr>
+          <p:cNvSpPr>
+            <a:spLocks noGrp="1" noRot="1" noChangeAspect="1" noMove="1" noResize="1" noEditPoints="1" noAdjustHandles="1" noChangeArrowheads="1" noChangeShapeType="1" noTextEdit="1"/>
+          </p:cNvSpPr>
+          <p:nvPr>
+            <p:extLst>
+              <p:ext uri="{386F3935-93C4-4BCD-93E2-E3B085C9AB24}">
+                <p16:designElem xmlns:p16="http://schemas.microsoft.com/office/powerpoint/2015/main" val="1"/>
+              </p:ext>
+            </p:extLst>
+          </p:nvPr>
+        </p:nvSpPr>
+        <p:spPr>
+          <a:xfrm flipH="1">
+            <a:off x="-1" y="-1"/>
+            <a:ext cx="12191998" cy="1590742"/>
+          </a:xfrm>
+          <a:prstGeom prst="rect">
+            <a:avLst/>
+          </a:prstGeom>
+          <a:gradFill>
+            <a:gsLst>
+              <a:gs pos="0">
+                <a:srgbClr val="000000"/>
+              </a:gs>
+              <a:gs pos="100000">
+                <a:schemeClr val="accent1">
+                  <a:lumMod val="75000"/>
+                </a:schemeClr>
+              </a:gs>
+            </a:gsLst>
+            <a:lin ang="8400000" scaled="0"/>
+          </a:gradFill>
+          <a:ln>
+            <a:noFill/>
+          </a:ln>
+        </p:spPr>
+        <p:style>
+          <a:lnRef idx="2">
+            <a:schemeClr val="accent1">
+              <a:shade val="50000"/>
+            </a:schemeClr>
+          </a:lnRef>
+          <a:fillRef idx="1">
+            <a:schemeClr val="accent1"/>
+          </a:fillRef>
+          <a:effectRef idx="0">
+            <a:schemeClr val="accent1"/>
+          </a:effectRef>
+          <a:fontRef idx="minor">
+            <a:schemeClr val="lt1"/>
+          </a:fontRef>
+        </p:style>
+        <p:txBody>
+          <a:bodyPr rtlCol="0" anchor="ctr"/>
+          <a:lstStyle/>
+          <a:p>
+            <a:pPr algn="ctr"/>
+            <a:endParaRPr lang="en-US"/>
+          </a:p>
+        </p:txBody>
+      </p:sp>
+      <p:sp>
+        <p:nvSpPr>
+          <p:cNvPr id="12" name="Rectangle 11">
+            <a:extLst>
+              <a:ext uri="{FF2B5EF4-FFF2-40B4-BE49-F238E27FC236}">
+                <a16:creationId xmlns:a16="http://schemas.microsoft.com/office/drawing/2014/main" id="{BC4C4868-CB8F-4AF9-9CDB-8108F2C19B67}"/>
+              </a:ext>
+              <a:ext uri="{C183D7F6-B498-43B3-948B-1728B52AA6E4}">
+                <adec:decorative xmlns:adec="http://schemas.microsoft.com/office/drawing/2017/decorative" val="1"/>
+              </a:ext>
+            </a:extLst>
+          </p:cNvPr>
+          <p:cNvSpPr>
+            <a:spLocks noGrp="1" noRot="1" noChangeAspect="1" noMove="1" noResize="1" noEditPoints="1" noAdjustHandles="1" noChangeArrowheads="1" noChangeShapeType="1" noTextEdit="1"/>
+          </p:cNvSpPr>
+          <p:nvPr>
+            <p:extLst>
+              <p:ext uri="{386F3935-93C4-4BCD-93E2-E3B085C9AB24}">
+                <p16:designElem xmlns:p16="http://schemas.microsoft.com/office/powerpoint/2015/main" val="1"/>
+              </p:ext>
+            </p:extLst>
+          </p:nvPr>
+        </p:nvSpPr>
+        <p:spPr>
+          <a:xfrm rot="10800000" flipH="1">
+            <a:off x="-3" y="0"/>
+            <a:ext cx="8115306" cy="1590742"/>
+          </a:xfrm>
+          <a:prstGeom prst="rect">
+            <a:avLst/>
+          </a:prstGeom>
+          <a:gradFill>
+            <a:gsLst>
+              <a:gs pos="20000">
+                <a:schemeClr val="accent1">
+                  <a:alpha val="0"/>
+                </a:schemeClr>
+              </a:gs>
+              <a:gs pos="100000">
+                <a:schemeClr val="accent1">
+                  <a:lumMod val="50000"/>
+                  <a:alpha val="55000"/>
+                </a:schemeClr>
+              </a:gs>
+            </a:gsLst>
+            <a:lin ang="13800000" scaled="0"/>
+          </a:gradFill>
+          <a:ln>
+            <a:noFill/>
+          </a:ln>
+        </p:spPr>
+        <p:style>
+          <a:lnRef idx="2">
+            <a:schemeClr val="accent1">
+              <a:shade val="50000"/>
+            </a:schemeClr>
+          </a:lnRef>
+          <a:fillRef idx="1">
+            <a:schemeClr val="accent1"/>
+          </a:fillRef>
+          <a:effectRef idx="0">
+            <a:schemeClr val="accent1"/>
+          </a:effectRef>
+          <a:fontRef idx="minor">
+            <a:schemeClr val="lt1"/>
+          </a:fontRef>
+        </p:style>
+        <p:txBody>
+          <a:bodyPr rtlCol="0" anchor="ctr"/>
+          <a:lstStyle/>
+          <a:p>
+            <a:pPr algn="ctr"/>
+            <a:endParaRPr lang="en-US"/>
+          </a:p>
+        </p:txBody>
+      </p:sp>
+      <p:sp>
+        <p:nvSpPr>
+          <p:cNvPr id="14" name="Rectangle 13">
+            <a:extLst>
+              <a:ext uri="{FF2B5EF4-FFF2-40B4-BE49-F238E27FC236}">
+                <a16:creationId xmlns:a16="http://schemas.microsoft.com/office/drawing/2014/main" id="{375E0459-6403-40CD-989D-56A4407CA12E}"/>
+              </a:ext>
+              <a:ext uri="{C183D7F6-B498-43B3-948B-1728B52AA6E4}">
+                <adec:decorative xmlns:adec="http://schemas.microsoft.com/office/drawing/2017/decorative" val="1"/>
+              </a:ext>
+            </a:extLst>
+          </p:cNvPr>
+          <p:cNvSpPr>
+            <a:spLocks noGrp="1" noRot="1" noChangeAspect="1" noMove="1" noResize="1" noEditPoints="1" noAdjustHandles="1" noChangeArrowheads="1" noChangeShapeType="1" noTextEdit="1"/>
+          </p:cNvSpPr>
+          <p:nvPr>
+            <p:extLst>
+              <p:ext uri="{386F3935-93C4-4BCD-93E2-E3B085C9AB24}">
+                <p16:designElem xmlns:p16="http://schemas.microsoft.com/office/powerpoint/2015/main" val="1"/>
+              </p:ext>
+            </p:extLst>
+          </p:nvPr>
+        </p:nvSpPr>
+        <p:spPr>
+          <a:xfrm flipH="1">
+            <a:off x="8115299" y="-1"/>
+            <a:ext cx="4076698" cy="1590742"/>
+          </a:xfrm>
+          <a:prstGeom prst="rect">
+            <a:avLst/>
+          </a:prstGeom>
+          <a:gradFill>
+            <a:gsLst>
+              <a:gs pos="0">
+                <a:schemeClr val="accent1">
+                  <a:alpha val="66000"/>
+                </a:schemeClr>
+              </a:gs>
+              <a:gs pos="100000">
+                <a:srgbClr val="000000">
+                  <a:alpha val="30000"/>
+                </a:srgbClr>
+              </a:gs>
+            </a:gsLst>
+            <a:lin ang="13200000" scaled="0"/>
+          </a:gradFill>
+          <a:ln>
+            <a:noFill/>
+          </a:ln>
+        </p:spPr>
+        <p:style>
+          <a:lnRef idx="2">
+            <a:schemeClr val="accent1">
+              <a:shade val="50000"/>
+            </a:schemeClr>
+          </a:lnRef>
+          <a:fillRef idx="1">
+            <a:schemeClr val="accent1"/>
+          </a:fillRef>
+          <a:effectRef idx="0">
+            <a:schemeClr val="accent1"/>
+          </a:effectRef>
+          <a:fontRef idx="minor">
+            <a:schemeClr val="lt1"/>
+          </a:fontRef>
+        </p:style>
+        <p:txBody>
+          <a:bodyPr rtlCol="0" anchor="ctr"/>
+          <a:lstStyle/>
+          <a:p>
+            <a:pPr algn="ctr"/>
+            <a:endParaRPr lang="en-US"/>
+          </a:p>
+        </p:txBody>
+      </p:sp>
+      <p:sp>
+        <p:nvSpPr>
+          <p:cNvPr id="16" name="Rectangle 15">
+            <a:extLst>
+              <a:ext uri="{FF2B5EF4-FFF2-40B4-BE49-F238E27FC236}">
+                <a16:creationId xmlns:a16="http://schemas.microsoft.com/office/drawing/2014/main" id="{53E5B1A8-3AC9-4BD1-9BBC-78CA94F2D1BA}"/>
+              </a:ext>
+              <a:ext uri="{C183D7F6-B498-43B3-948B-1728B52AA6E4}">
+                <adec:decorative xmlns:adec="http://schemas.microsoft.com/office/drawing/2017/decorative" val="1"/>
+              </a:ext>
+            </a:extLst>
+          </p:cNvPr>
+          <p:cNvSpPr>
+            <a:spLocks noGrp="1" noRot="1" noChangeAspect="1" noMove="1" noResize="1" noEditPoints="1" noAdjustHandles="1" noChangeArrowheads="1" noChangeShapeType="1" noTextEdit="1"/>
+          </p:cNvSpPr>
+          <p:nvPr>
+            <p:extLst>
+              <p:ext uri="{386F3935-93C4-4BCD-93E2-E3B085C9AB24}">
+                <p16:designElem xmlns:p16="http://schemas.microsoft.com/office/powerpoint/2015/main" val="1"/>
+              </p:ext>
+            </p:extLst>
+          </p:nvPr>
+        </p:nvSpPr>
+        <p:spPr>
+          <a:xfrm>
+            <a:off x="459350" y="-1"/>
+            <a:ext cx="11732646" cy="1597433"/>
+          </a:xfrm>
+          <a:prstGeom prst="rect">
+            <a:avLst/>
+          </a:prstGeom>
+          <a:gradFill>
+            <a:gsLst>
+              <a:gs pos="50000">
+                <a:srgbClr val="000000">
+                  <a:alpha val="0"/>
+                </a:srgbClr>
+              </a:gs>
+              <a:gs pos="99000">
+                <a:schemeClr val="accent1">
+                  <a:lumMod val="50000"/>
+                  <a:alpha val="52000"/>
+                </a:schemeClr>
+              </a:gs>
+            </a:gsLst>
+            <a:lin ang="16800000" scaled="0"/>
+          </a:gradFill>
+          <a:ln>
+            <a:noFill/>
+          </a:ln>
+        </p:spPr>
+        <p:style>
+          <a:lnRef idx="2">
+            <a:schemeClr val="accent1">
+              <a:shade val="50000"/>
+            </a:schemeClr>
+          </a:lnRef>
+          <a:fillRef idx="1">
+            <a:schemeClr val="accent1"/>
+          </a:fillRef>
+          <a:effectRef idx="0">
+            <a:schemeClr val="accent1"/>
+          </a:effectRef>
+          <a:fontRef idx="minor">
+            <a:schemeClr val="lt1"/>
+          </a:fontRef>
+        </p:style>
+        <p:txBody>
+          <a:bodyPr rtlCol="0" anchor="ctr"/>
+          <a:lstStyle/>
+          <a:p>
+            <a:pPr algn="ctr"/>
+            <a:endParaRPr lang="en-US"/>
+          </a:p>
+        </p:txBody>
+      </p:sp>
+      <p:sp>
+        <p:nvSpPr>
+          <p:cNvPr id="2" name="Title 1">
+            <a:extLst>
+              <a:ext uri="{FF2B5EF4-FFF2-40B4-BE49-F238E27FC236}">
+                <a16:creationId xmlns:a16="http://schemas.microsoft.com/office/drawing/2014/main" id="{9B7C676E-0B01-2AE8-C278-02743F2FD21C}"/>
+              </a:ext>
+            </a:extLst>
+          </p:cNvPr>
+          <p:cNvSpPr>
+            <a:spLocks noGrp="1"/>
+          </p:cNvSpPr>
+          <p:nvPr>
+            <p:ph type="title"/>
+          </p:nvPr>
+        </p:nvSpPr>
+        <p:spPr>
+          <a:xfrm>
+            <a:off x="1371599" y="294538"/>
+            <a:ext cx="9895951" cy="1033669"/>
+          </a:xfrm>
+        </p:spPr>
+        <p:txBody>
+          <a:bodyPr>
+            <a:normAutofit/>
+          </a:bodyPr>
+          <a:lstStyle/>
+          <a:p>
+            <a:r>
+              <a:rPr lang="ro-RO" sz="4000" dirty="0">
+                <a:solidFill>
+                  <a:srgbClr val="FFFFFF"/>
+                </a:solidFill>
+              </a:rPr>
+              <a:t>Concluzii</a:t>
+            </a:r>
+          </a:p>
+        </p:txBody>
+      </p:sp>
+      <p:sp>
+        <p:nvSpPr>
+          <p:cNvPr id="7" name="TextBox 6">
+            <a:extLst>
+              <a:ext uri="{FF2B5EF4-FFF2-40B4-BE49-F238E27FC236}">
+                <a16:creationId xmlns:a16="http://schemas.microsoft.com/office/drawing/2014/main" id="{19ADC585-6AD5-B68C-8871-14E0D3A616B7}"/>
+              </a:ext>
+            </a:extLst>
+          </p:cNvPr>
+          <p:cNvSpPr txBox="1"/>
+          <p:nvPr/>
+        </p:nvSpPr>
+        <p:spPr>
+          <a:xfrm>
+            <a:off x="604576" y="2766012"/>
+            <a:ext cx="11429996" cy="4001095"/>
+          </a:xfrm>
+          <a:prstGeom prst="rect">
+            <a:avLst/>
+          </a:prstGeom>
+          <a:noFill/>
+        </p:spPr>
+        <p:txBody>
+          <a:bodyPr wrap="square" rtlCol="0">
+            <a:spAutoFit/>
+          </a:bodyPr>
+          <a:lstStyle/>
+          <a:p>
+            <a:pPr marL="342900" indent="-342900">
+              <a:buFont typeface="Arial" panose="020B0604020202020204" pitchFamily="34" charset="0"/>
+              <a:buChar char="•"/>
+            </a:pPr>
+            <a:r>
+              <a:rPr lang="ro-RO" sz="2400" dirty="0"/>
+              <a:t>Importanța utilizării datelor reale și a tehnologiilor moderne în analiza consumului și producției de energie electrică.</a:t>
+            </a:r>
+          </a:p>
+          <a:p>
+            <a:pPr marL="342900" indent="-342900">
+              <a:buFont typeface="Arial" panose="020B0604020202020204" pitchFamily="34" charset="0"/>
+              <a:buChar char="•"/>
+            </a:pPr>
+            <a:r>
+              <a:rPr lang="ro-RO" sz="2400" dirty="0"/>
+              <a:t>Tipare istorice și diferențe semnificative între țări, prin tehnici vizuale și de clustering.</a:t>
+            </a:r>
+          </a:p>
+          <a:p>
+            <a:pPr marL="342900" indent="-342900">
+              <a:buFont typeface="Arial" panose="020B0604020202020204" pitchFamily="34" charset="0"/>
+              <a:buChar char="•"/>
+            </a:pPr>
+            <a:r>
+              <a:rPr lang="ro-RO" sz="2400" dirty="0"/>
+              <a:t>Implementarea în Python a permis analiza cantitativă, reproducibilă și flexibilă a datelor.</a:t>
+            </a:r>
+          </a:p>
+          <a:p>
+            <a:pPr marL="342900" indent="-342900">
+              <a:buFont typeface="Arial" panose="020B0604020202020204" pitchFamily="34" charset="0"/>
+              <a:buChar char="•"/>
+            </a:pPr>
+            <a:r>
+              <a:rPr lang="ro-RO" sz="2400" dirty="0"/>
+              <a:t>Rezultatele pot susține decizii strategice în domeniul energetic și al sustenabilității.</a:t>
+            </a:r>
+          </a:p>
+          <a:p>
+            <a:pPr marL="342900" indent="-342900">
+              <a:buFont typeface="Arial" panose="020B0604020202020204" pitchFamily="34" charset="0"/>
+              <a:buChar char="•"/>
+            </a:pPr>
+            <a:r>
+              <a:rPr lang="ro-RO" sz="2400" dirty="0"/>
+              <a:t>Direcțiile de cercetare viitoare vizează extinderea către modele predictive și prescriptive, cu aplicabilitate în sistemele smart-grid și politicile energetice.</a:t>
+            </a:r>
+          </a:p>
+          <a:p>
+            <a:pPr marL="342900" indent="-342900">
+              <a:buFont typeface="Arial" panose="020B0604020202020204" pitchFamily="34" charset="0"/>
+              <a:buChar char="•"/>
+            </a:pPr>
+            <a:endParaRPr lang="ro-RO" sz="2400" dirty="0"/>
+          </a:p>
+          <a:p>
+            <a:pPr marL="285750" indent="-285750">
+              <a:buFont typeface="Arial" panose="020B0604020202020204" pitchFamily="34" charset="0"/>
+              <a:buChar char="•"/>
+            </a:pPr>
+            <a:endParaRPr lang="ro-RO" sz="1400" dirty="0"/>
+          </a:p>
+        </p:txBody>
+      </p:sp>
+    </p:spTree>
+    <p:extLst>
+      <p:ext uri="{BB962C8B-B14F-4D97-AF65-F5344CB8AC3E}">
+        <p14:creationId xmlns:p14="http://schemas.microsoft.com/office/powerpoint/2010/main" val="3396581006"/>
+      </p:ext>
+    </p:extLst>
+  </p:cSld>
+  <p:clrMapOvr>
+    <a:masterClrMapping/>
+  </p:clrMapOvr>
+</p:sld>
+</file>
+
+<file path=ppt/slides/slide11.xml><?xml version="1.0" encoding="utf-8"?>
+<p:sld xmlns:a="http://schemas.openxmlformats.org/drawingml/2006/main" xmlns:r="http://schemas.openxmlformats.org/officeDocument/2006/relationships" xmlns:p="http://schemas.openxmlformats.org/presentationml/2006/main">
+  <p:cSld>
+    <p:bg>
+      <p:bgPr>
+        <a:solidFill>
+          <a:schemeClr val="bg1"/>
+        </a:solidFill>
+        <a:effectLst/>
+      </p:bgPr>
+    </p:bg>
+    <p:spTree>
+      <p:nvGrpSpPr>
+        <p:cNvPr id="1" name=""/>
+        <p:cNvGrpSpPr/>
+        <p:nvPr/>
+      </p:nvGrpSpPr>
+      <p:grpSpPr>
+        <a:xfrm>
+          <a:off x="0" y="0"/>
+          <a:ext cx="0" cy="0"/>
+          <a:chOff x="0" y="0"/>
+          <a:chExt cx="0" cy="0"/>
+        </a:xfrm>
+      </p:grpSpPr>
+      <p:sp useBgFill="1">
+        <p:nvSpPr>
+          <p:cNvPr id="8" name="Rectangle 7">
+            <a:extLst>
+              <a:ext uri="{FF2B5EF4-FFF2-40B4-BE49-F238E27FC236}">
+                <a16:creationId xmlns:a16="http://schemas.microsoft.com/office/drawing/2014/main" id="{1B15ED52-F352-441B-82BF-E0EA34836D08}"/>
+              </a:ext>
+              <a:ext uri="{C183D7F6-B498-43B3-948B-1728B52AA6E4}">
+                <adec:decorative xmlns:adec="http://schemas.microsoft.com/office/drawing/2017/decorative" val="1"/>
+              </a:ext>
+            </a:extLst>
+          </p:cNvPr>
+          <p:cNvSpPr>
+            <a:spLocks noGrp="1" noRot="1" noChangeAspect="1" noMove="1" noResize="1" noEditPoints="1" noAdjustHandles="1" noChangeArrowheads="1" noChangeShapeType="1" noTextEdit="1"/>
+          </p:cNvSpPr>
+          <p:nvPr>
+            <p:extLst>
+              <p:ext uri="{386F3935-93C4-4BCD-93E2-E3B085C9AB24}">
+                <p16:designElem xmlns:p16="http://schemas.microsoft.com/office/powerpoint/2015/main" val="1"/>
+              </p:ext>
+            </p:extLst>
+          </p:nvPr>
+        </p:nvSpPr>
+        <p:spPr>
+          <a:xfrm>
+            <a:off x="0" y="0"/>
+            <a:ext cx="12192000" cy="6858000"/>
+          </a:xfrm>
+          <a:prstGeom prst="rect">
+            <a:avLst/>
+          </a:prstGeom>
+          <a:ln w="12700" cap="flat" cmpd="sng" algn="ctr">
+            <a:noFill/>
+            <a:prstDash val="solid"/>
+            <a:miter lim="800000"/>
+          </a:ln>
+          <a:effectLst/>
+          <a:extLst>
+            <a:ext uri="{91240B29-F687-4F45-9708-019B960494DF}">
+              <a14:hiddenLine xmlns:a14="http://schemas.microsoft.com/office/drawing/2010/main" w="12700" cap="flat" cmpd="sng" algn="ctr">
+                <a:solidFill>
+                  <a:schemeClr val="accent1">
+                    <a:shade val="50000"/>
+                  </a:schemeClr>
+                </a:solidFill>
+                <a:prstDash val="solid"/>
+                <a:miter lim="800000"/>
+              </a14:hiddenLine>
+            </a:ext>
+          </a:extLst>
+        </p:spPr>
+        <p:style>
+          <a:lnRef idx="2">
+            <a:schemeClr val="accent1">
+              <a:shade val="50000"/>
+            </a:schemeClr>
+          </a:lnRef>
+          <a:fillRef idx="1">
+            <a:schemeClr val="accent1"/>
+          </a:fillRef>
+          <a:effectRef idx="0">
+            <a:schemeClr val="accent1"/>
+          </a:effectRef>
+          <a:fontRef idx="minor">
+            <a:schemeClr val="lt1"/>
+          </a:fontRef>
+        </p:style>
+        <p:txBody>
+          <a:bodyPr rtlCol="0" anchor="ctr"/>
+          <a:lstStyle/>
+          <a:p>
+            <a:pPr algn="ctr"/>
+            <a:endParaRPr lang="en-US"/>
+          </a:p>
+        </p:txBody>
+      </p:sp>
+      <p:sp>
+        <p:nvSpPr>
+          <p:cNvPr id="10" name="Rectangle 9">
+            <a:extLst>
+              <a:ext uri="{FF2B5EF4-FFF2-40B4-BE49-F238E27FC236}">
+                <a16:creationId xmlns:a16="http://schemas.microsoft.com/office/drawing/2014/main" id="{3B2E3793-BFE6-45A2-9B7B-E18844431C99}"/>
+              </a:ext>
+              <a:ext uri="{C183D7F6-B498-43B3-948B-1728B52AA6E4}">
+                <adec:decorative xmlns:adec="http://schemas.microsoft.com/office/drawing/2017/decorative" val="1"/>
+              </a:ext>
+            </a:extLst>
+          </p:cNvPr>
+          <p:cNvSpPr>
+            <a:spLocks noGrp="1" noRot="1" noChangeAspect="1" noMove="1" noResize="1" noEditPoints="1" noAdjustHandles="1" noChangeArrowheads="1" noChangeShapeType="1" noTextEdit="1"/>
+          </p:cNvSpPr>
+          <p:nvPr>
+            <p:extLst>
+              <p:ext uri="{386F3935-93C4-4BCD-93E2-E3B085C9AB24}">
+                <p16:designElem xmlns:p16="http://schemas.microsoft.com/office/powerpoint/2015/main" val="1"/>
+              </p:ext>
+            </p:extLst>
+          </p:nvPr>
+        </p:nvSpPr>
+        <p:spPr>
+          <a:xfrm flipH="1">
+            <a:off x="-1" y="-1"/>
+            <a:ext cx="12191998" cy="1590742"/>
+          </a:xfrm>
+          <a:prstGeom prst="rect">
+            <a:avLst/>
+          </a:prstGeom>
+          <a:gradFill>
+            <a:gsLst>
+              <a:gs pos="0">
+                <a:srgbClr val="000000"/>
+              </a:gs>
+              <a:gs pos="100000">
+                <a:schemeClr val="accent1">
+                  <a:lumMod val="75000"/>
+                </a:schemeClr>
+              </a:gs>
+            </a:gsLst>
+            <a:lin ang="8400000" scaled="0"/>
+          </a:gradFill>
+          <a:ln>
+            <a:noFill/>
+          </a:ln>
+        </p:spPr>
+        <p:style>
+          <a:lnRef idx="2">
+            <a:schemeClr val="accent1">
+              <a:shade val="50000"/>
+            </a:schemeClr>
+          </a:lnRef>
+          <a:fillRef idx="1">
+            <a:schemeClr val="accent1"/>
+          </a:fillRef>
+          <a:effectRef idx="0">
+            <a:schemeClr val="accent1"/>
+          </a:effectRef>
+          <a:fontRef idx="minor">
+            <a:schemeClr val="lt1"/>
+          </a:fontRef>
+        </p:style>
+        <p:txBody>
+          <a:bodyPr rtlCol="0" anchor="ctr"/>
+          <a:lstStyle/>
+          <a:p>
+            <a:pPr algn="ctr"/>
+            <a:endParaRPr lang="en-US"/>
+          </a:p>
+        </p:txBody>
+      </p:sp>
+      <p:sp>
+        <p:nvSpPr>
+          <p:cNvPr id="12" name="Rectangle 11">
+            <a:extLst>
+              <a:ext uri="{FF2B5EF4-FFF2-40B4-BE49-F238E27FC236}">
+                <a16:creationId xmlns:a16="http://schemas.microsoft.com/office/drawing/2014/main" id="{BC4C4868-CB8F-4AF9-9CDB-8108F2C19B67}"/>
+              </a:ext>
+              <a:ext uri="{C183D7F6-B498-43B3-948B-1728B52AA6E4}">
+                <adec:decorative xmlns:adec="http://schemas.microsoft.com/office/drawing/2017/decorative" val="1"/>
+              </a:ext>
+            </a:extLst>
+          </p:cNvPr>
+          <p:cNvSpPr>
+            <a:spLocks noGrp="1" noRot="1" noChangeAspect="1" noMove="1" noResize="1" noEditPoints="1" noAdjustHandles="1" noChangeArrowheads="1" noChangeShapeType="1" noTextEdit="1"/>
+          </p:cNvSpPr>
+          <p:nvPr>
+            <p:extLst>
+              <p:ext uri="{386F3935-93C4-4BCD-93E2-E3B085C9AB24}">
+                <p16:designElem xmlns:p16="http://schemas.microsoft.com/office/powerpoint/2015/main" val="1"/>
+              </p:ext>
+            </p:extLst>
+          </p:nvPr>
+        </p:nvSpPr>
+        <p:spPr>
+          <a:xfrm rot="10800000" flipH="1">
+            <a:off x="-3" y="0"/>
+            <a:ext cx="8115306" cy="1590742"/>
+          </a:xfrm>
+          <a:prstGeom prst="rect">
+            <a:avLst/>
+          </a:prstGeom>
+          <a:gradFill>
+            <a:gsLst>
+              <a:gs pos="20000">
+                <a:schemeClr val="accent1">
+                  <a:alpha val="0"/>
+                </a:schemeClr>
+              </a:gs>
+              <a:gs pos="100000">
+                <a:schemeClr val="accent1">
+                  <a:lumMod val="50000"/>
+                  <a:alpha val="55000"/>
+                </a:schemeClr>
+              </a:gs>
+            </a:gsLst>
+            <a:lin ang="13800000" scaled="0"/>
+          </a:gradFill>
+          <a:ln>
+            <a:noFill/>
+          </a:ln>
+        </p:spPr>
+        <p:style>
+          <a:lnRef idx="2">
+            <a:schemeClr val="accent1">
+              <a:shade val="50000"/>
+            </a:schemeClr>
+          </a:lnRef>
+          <a:fillRef idx="1">
+            <a:schemeClr val="accent1"/>
+          </a:fillRef>
+          <a:effectRef idx="0">
+            <a:schemeClr val="accent1"/>
+          </a:effectRef>
+          <a:fontRef idx="minor">
+            <a:schemeClr val="lt1"/>
+          </a:fontRef>
+        </p:style>
+        <p:txBody>
+          <a:bodyPr rtlCol="0" anchor="ctr"/>
+          <a:lstStyle/>
+          <a:p>
+            <a:pPr algn="ctr"/>
+            <a:endParaRPr lang="en-US"/>
+          </a:p>
+        </p:txBody>
+      </p:sp>
+      <p:sp>
+        <p:nvSpPr>
+          <p:cNvPr id="14" name="Rectangle 13">
+            <a:extLst>
+              <a:ext uri="{FF2B5EF4-FFF2-40B4-BE49-F238E27FC236}">
+                <a16:creationId xmlns:a16="http://schemas.microsoft.com/office/drawing/2014/main" id="{375E0459-6403-40CD-989D-56A4407CA12E}"/>
+              </a:ext>
+              <a:ext uri="{C183D7F6-B498-43B3-948B-1728B52AA6E4}">
+                <adec:decorative xmlns:adec="http://schemas.microsoft.com/office/drawing/2017/decorative" val="1"/>
+              </a:ext>
+            </a:extLst>
+          </p:cNvPr>
+          <p:cNvSpPr>
+            <a:spLocks noGrp="1" noRot="1" noChangeAspect="1" noMove="1" noResize="1" noEditPoints="1" noAdjustHandles="1" noChangeArrowheads="1" noChangeShapeType="1" noTextEdit="1"/>
+          </p:cNvSpPr>
+          <p:nvPr>
+            <p:extLst>
+              <p:ext uri="{386F3935-93C4-4BCD-93E2-E3B085C9AB24}">
+                <p16:designElem xmlns:p16="http://schemas.microsoft.com/office/powerpoint/2015/main" val="1"/>
+              </p:ext>
+            </p:extLst>
+          </p:nvPr>
+        </p:nvSpPr>
+        <p:spPr>
+          <a:xfrm flipH="1">
+            <a:off x="8115299" y="-1"/>
+            <a:ext cx="4076698" cy="1590742"/>
+          </a:xfrm>
+          <a:prstGeom prst="rect">
+            <a:avLst/>
+          </a:prstGeom>
+          <a:gradFill>
+            <a:gsLst>
+              <a:gs pos="0">
+                <a:schemeClr val="accent1">
+                  <a:alpha val="66000"/>
+                </a:schemeClr>
+              </a:gs>
+              <a:gs pos="100000">
+                <a:srgbClr val="000000">
+                  <a:alpha val="30000"/>
+                </a:srgbClr>
+              </a:gs>
+            </a:gsLst>
+            <a:lin ang="13200000" scaled="0"/>
+          </a:gradFill>
+          <a:ln>
+            <a:noFill/>
+          </a:ln>
+        </p:spPr>
+        <p:style>
+          <a:lnRef idx="2">
+            <a:schemeClr val="accent1">
+              <a:shade val="50000"/>
+            </a:schemeClr>
+          </a:lnRef>
+          <a:fillRef idx="1">
+            <a:schemeClr val="accent1"/>
+          </a:fillRef>
+          <a:effectRef idx="0">
+            <a:schemeClr val="accent1"/>
+          </a:effectRef>
+          <a:fontRef idx="minor">
+            <a:schemeClr val="lt1"/>
+          </a:fontRef>
+        </p:style>
+        <p:txBody>
+          <a:bodyPr rtlCol="0" anchor="ctr"/>
+          <a:lstStyle/>
+          <a:p>
+            <a:pPr algn="ctr"/>
+            <a:endParaRPr lang="en-US"/>
+          </a:p>
+        </p:txBody>
+      </p:sp>
+      <p:sp>
+        <p:nvSpPr>
+          <p:cNvPr id="16" name="Rectangle 15">
+            <a:extLst>
+              <a:ext uri="{FF2B5EF4-FFF2-40B4-BE49-F238E27FC236}">
+                <a16:creationId xmlns:a16="http://schemas.microsoft.com/office/drawing/2014/main" id="{53E5B1A8-3AC9-4BD1-9BBC-78CA94F2D1BA}"/>
+              </a:ext>
+              <a:ext uri="{C183D7F6-B498-43B3-948B-1728B52AA6E4}">
+                <adec:decorative xmlns:adec="http://schemas.microsoft.com/office/drawing/2017/decorative" val="1"/>
+              </a:ext>
+            </a:extLst>
+          </p:cNvPr>
+          <p:cNvSpPr>
+            <a:spLocks noGrp="1" noRot="1" noChangeAspect="1" noMove="1" noResize="1" noEditPoints="1" noAdjustHandles="1" noChangeArrowheads="1" noChangeShapeType="1" noTextEdit="1"/>
+          </p:cNvSpPr>
+          <p:nvPr>
+            <p:extLst>
+              <p:ext uri="{386F3935-93C4-4BCD-93E2-E3B085C9AB24}">
+                <p16:designElem xmlns:p16="http://schemas.microsoft.com/office/powerpoint/2015/main" val="1"/>
+              </p:ext>
+            </p:extLst>
+          </p:nvPr>
+        </p:nvSpPr>
+        <p:spPr>
+          <a:xfrm>
+            <a:off x="459350" y="-1"/>
+            <a:ext cx="11732646" cy="1597433"/>
+          </a:xfrm>
+          <a:prstGeom prst="rect">
+            <a:avLst/>
+          </a:prstGeom>
+          <a:gradFill>
+            <a:gsLst>
+              <a:gs pos="50000">
+                <a:srgbClr val="000000">
+                  <a:alpha val="0"/>
+                </a:srgbClr>
+              </a:gs>
+              <a:gs pos="99000">
+                <a:schemeClr val="accent1">
+                  <a:lumMod val="50000"/>
+                  <a:alpha val="52000"/>
+                </a:schemeClr>
+              </a:gs>
+            </a:gsLst>
+            <a:lin ang="16800000" scaled="0"/>
+          </a:gradFill>
+          <a:ln>
+            <a:noFill/>
+          </a:ln>
+        </p:spPr>
+        <p:style>
+          <a:lnRef idx="2">
+            <a:schemeClr val="accent1">
+              <a:shade val="50000"/>
+            </a:schemeClr>
+          </a:lnRef>
+          <a:fillRef idx="1">
+            <a:schemeClr val="accent1"/>
+          </a:fillRef>
+          <a:effectRef idx="0">
+            <a:schemeClr val="accent1"/>
+          </a:effectRef>
+          <a:fontRef idx="minor">
+            <a:schemeClr val="lt1"/>
+          </a:fontRef>
+        </p:style>
+        <p:txBody>
+          <a:bodyPr rtlCol="0" anchor="ctr"/>
+          <a:lstStyle/>
+          <a:p>
+            <a:pPr algn="ctr"/>
+            <a:endParaRPr lang="en-US"/>
+          </a:p>
+        </p:txBody>
+      </p:sp>
+      <p:sp>
+        <p:nvSpPr>
+          <p:cNvPr id="7" name="TextBox 6">
+            <a:extLst>
+              <a:ext uri="{FF2B5EF4-FFF2-40B4-BE49-F238E27FC236}">
+                <a16:creationId xmlns:a16="http://schemas.microsoft.com/office/drawing/2014/main" id="{19ADC585-6AD5-B68C-8871-14E0D3A616B7}"/>
+              </a:ext>
+            </a:extLst>
+          </p:cNvPr>
+          <p:cNvSpPr txBox="1"/>
+          <p:nvPr/>
+        </p:nvSpPr>
+        <p:spPr>
+          <a:xfrm>
+            <a:off x="1752656" y="2826972"/>
+            <a:ext cx="11429996" cy="2215991"/>
+          </a:xfrm>
+          <a:prstGeom prst="rect">
+            <a:avLst/>
+          </a:prstGeom>
+          <a:noFill/>
+        </p:spPr>
+        <p:txBody>
+          <a:bodyPr wrap="square" rtlCol="0">
+            <a:spAutoFit/>
+          </a:bodyPr>
+          <a:lstStyle/>
+          <a:p>
+            <a:r>
+              <a:rPr lang="ro-RO" sz="13800" dirty="0"/>
+              <a:t>Mulțumesc!</a:t>
+            </a:r>
+            <a:endParaRPr lang="ro-RO" sz="8000" dirty="0"/>
+          </a:p>
+        </p:txBody>
+      </p:sp>
+    </p:spTree>
+    <p:extLst>
+      <p:ext uri="{BB962C8B-B14F-4D97-AF65-F5344CB8AC3E}">
+        <p14:creationId xmlns:p14="http://schemas.microsoft.com/office/powerpoint/2010/main" val="3065787776"/>
+      </p:ext>
+    </p:extLst>
+  </p:cSld>
+  <p:clrMapOvr>
+    <a:masterClrMapping/>
+  </p:clrMapOvr>
+</p:sld>
+</file>
+
 <file path=ppt/slides/slide2.xml><?xml version="1.0" encoding="utf-8"?>
 <p:sld xmlns:a="http://schemas.openxmlformats.org/drawingml/2006/main" xmlns:r="http://schemas.openxmlformats.org/officeDocument/2006/relationships" xmlns:p="http://schemas.openxmlformats.org/presentationml/2006/main">
   <p:cSld>
@@ -4404,45 +5404,49 @@
               <a:buNone/>
             </a:pPr>
             <a:r>
-              <a:rPr lang="ro-RO" sz="2000"/>
+              <a:rPr lang="ro-RO" sz="2000" dirty="0"/>
               <a:t>Investigarea și aplicarea unor metode moderne pentru analiza consumului și producției de energie electrică</a:t>
             </a:r>
           </a:p>
           <a:p>
-            <a:endParaRPr lang="ro-RO" sz="2000"/>
-          </a:p>
-          <a:p>
-            <a:r>
-              <a:rPr lang="ro-RO" sz="2000"/>
+            <a:endParaRPr lang="ro-RO" sz="2000" dirty="0"/>
+          </a:p>
+          <a:p>
+            <a:r>
+              <a:rPr lang="ro-RO" sz="2000" dirty="0"/>
               <a:t>Pilonii principali ai cercetării:</a:t>
             </a:r>
           </a:p>
           <a:p>
-            <a:r>
-              <a:rPr lang="ro-RO" sz="2000"/>
-              <a:t>📈 Analiza datelor energetice – tendințe istorice și actuale</a:t>
-            </a:r>
-          </a:p>
-          <a:p>
-            <a:r>
-              <a:rPr lang="ro-RO" sz="2000"/>
-              <a:t>🧠 Monitorizare inteligentă – smart metering &amp; IoT</a:t>
-            </a:r>
-          </a:p>
-          <a:p>
-            <a:r>
-              <a:rPr lang="ro-RO" sz="2000"/>
-              <a:t>🛠️ Modelare și simulare – tehnici cantitative aplicate pe seturi de date reale</a:t>
-            </a:r>
-          </a:p>
-          <a:p>
-            <a:r>
-              <a:rPr lang="ro-RO" sz="2000"/>
-              <a:t>🌱 Sustenabilitate &amp; digitalizare – perspective strategice și tehnologice</a:t>
-            </a:r>
-          </a:p>
-          <a:p>
-            <a:endParaRPr lang="ro-RO" sz="2000"/>
+            <a:pPr lvl="1"/>
+            <a:r>
+              <a:rPr lang="ro-RO" sz="1600" dirty="0"/>
+              <a:t>Analiza datelor energetice – tendințe istorice și actuale</a:t>
+            </a:r>
+          </a:p>
+          <a:p>
+            <a:pPr lvl="1"/>
+            <a:r>
+              <a:rPr lang="ro-RO" sz="1600" dirty="0"/>
+              <a:t>Monitorizare inteligentă – smart metering &amp; IoT</a:t>
+            </a:r>
+          </a:p>
+          <a:p>
+            <a:pPr lvl="1"/>
+            <a:r>
+              <a:rPr lang="ro-RO" sz="1600" dirty="0"/>
+              <a:t>Modelare și simulare – tehnici cantitative aplicate pe seturi de date reale</a:t>
+            </a:r>
+          </a:p>
+          <a:p>
+            <a:pPr lvl="1"/>
+            <a:r>
+              <a:rPr lang="ro-RO" sz="1600" dirty="0"/>
+              <a:t>Sustenabilitate &amp; digitalizare – perspective strategice și tehnologice</a:t>
+            </a:r>
+          </a:p>
+          <a:p>
+            <a:endParaRPr lang="ro-RO" sz="2000" dirty="0"/>
           </a:p>
         </p:txBody>
       </p:sp>
@@ -6490,7 +7494,7 @@
         </p:nvSpPr>
         <p:spPr>
           <a:xfrm>
-            <a:off x="6441440" y="2144965"/>
+            <a:off x="6543912" y="1656042"/>
             <a:ext cx="5291211" cy="2308324"/>
           </a:xfrm>
           <a:prstGeom prst="rect">
@@ -6572,6 +7576,190 @@
               <a:rPr lang="ro-RO" dirty="0"/>
               <a:t>Plotarea rezultatelor</a:t>
             </a:r>
+          </a:p>
+        </p:txBody>
+      </p:sp>
+      <p:sp>
+        <p:nvSpPr>
+          <p:cNvPr id="7" name="TextBox 6">
+            <a:extLst>
+              <a:ext uri="{FF2B5EF4-FFF2-40B4-BE49-F238E27FC236}">
+                <a16:creationId xmlns:a16="http://schemas.microsoft.com/office/drawing/2014/main" id="{E7A16EFA-CEA9-7064-FC7A-000A14787462}"/>
+              </a:ext>
+            </a:extLst>
+          </p:cNvPr>
+          <p:cNvSpPr txBox="1"/>
+          <p:nvPr/>
+        </p:nvSpPr>
+        <p:spPr>
+          <a:xfrm>
+            <a:off x="6543912" y="4118521"/>
+            <a:ext cx="5291211" cy="2585323"/>
+          </a:xfrm>
+          <a:prstGeom prst="rect">
+            <a:avLst/>
+          </a:prstGeom>
+          <a:noFill/>
+        </p:spPr>
+        <p:txBody>
+          <a:bodyPr wrap="square" rtlCol="0">
+            <a:spAutoFit/>
+          </a:bodyPr>
+          <a:lstStyle/>
+          <a:p>
+            <a:r>
+              <a:rPr lang="en-US" dirty="0" err="1"/>
+              <a:t>Tipologii</a:t>
+            </a:r>
+            <a:r>
+              <a:rPr lang="ro-RO" dirty="0"/>
+              <a:t>:</a:t>
+            </a:r>
+          </a:p>
+          <a:p>
+            <a:pPr marL="342900" indent="-342900">
+              <a:buFont typeface="Arial" panose="020B0604020202020204" pitchFamily="34" charset="0"/>
+              <a:buChar char="•"/>
+            </a:pPr>
+            <a:r>
+              <a:rPr lang="en-US" dirty="0">
+                <a:latin typeface="Times New Roman" panose="02020603050405020304" pitchFamily="18" charset="0"/>
+                <a:cs typeface="Times New Roman" panose="02020603050405020304" pitchFamily="18" charset="0"/>
+              </a:rPr>
+              <a:t>C0 - </a:t>
+            </a:r>
+            <a:r>
+              <a:rPr lang="ro-RO" sz="1800" kern="0" dirty="0">
+                <a:effectLst/>
+                <a:latin typeface="Times New Roman" panose="02020603050405020304" pitchFamily="18" charset="0"/>
+                <a:ea typeface="Aptos" panose="020B0004020202020204" pitchFamily="34" charset="0"/>
+                <a:cs typeface="Times New Roman" panose="02020603050405020304" pitchFamily="18" charset="0"/>
+              </a:rPr>
+              <a:t>Traiectorie accelerată tânără</a:t>
+            </a:r>
+            <a:r>
+              <a:rPr lang="en-US" sz="1800" kern="0" dirty="0">
+                <a:effectLst/>
+                <a:latin typeface="Times New Roman" panose="02020603050405020304" pitchFamily="18" charset="0"/>
+                <a:ea typeface="Aptos" panose="020B0004020202020204" pitchFamily="34" charset="0"/>
+                <a:cs typeface="Times New Roman" panose="02020603050405020304" pitchFamily="18" charset="0"/>
+              </a:rPr>
+              <a:t>, </a:t>
+            </a:r>
+            <a:r>
+              <a:rPr lang="ro-RO" sz="1800" kern="0" dirty="0">
+                <a:effectLst/>
+                <a:latin typeface="Times New Roman" panose="02020603050405020304" pitchFamily="18" charset="0"/>
+                <a:ea typeface="Aptos" panose="020B0004020202020204" pitchFamily="34" charset="0"/>
+              </a:rPr>
+              <a:t>creștere abruptă în ultimele decenii</a:t>
+            </a:r>
+            <a:endParaRPr lang="en-US" sz="1800" kern="0" dirty="0">
+              <a:effectLst/>
+              <a:latin typeface="Times New Roman" panose="02020603050405020304" pitchFamily="18" charset="0"/>
+              <a:ea typeface="Aptos" panose="020B0004020202020204" pitchFamily="34" charset="0"/>
+            </a:endParaRPr>
+          </a:p>
+          <a:p>
+            <a:pPr marL="342900" indent="-342900">
+              <a:buFont typeface="Arial" panose="020B0604020202020204" pitchFamily="34" charset="0"/>
+              <a:buChar char="•"/>
+            </a:pPr>
+            <a:r>
+              <a:rPr lang="en-US" kern="0" dirty="0">
+                <a:latin typeface="Times New Roman" panose="02020603050405020304" pitchFamily="18" charset="0"/>
+                <a:cs typeface="Times New Roman" panose="02020603050405020304" pitchFamily="18" charset="0"/>
+              </a:rPr>
+              <a:t>C 1 - </a:t>
+            </a:r>
+            <a:r>
+              <a:rPr lang="ro-RO" sz="1800" kern="0" dirty="0">
+                <a:effectLst/>
+                <a:latin typeface="Times New Roman" panose="02020603050405020304" pitchFamily="18" charset="0"/>
+                <a:ea typeface="Aptos" panose="020B0004020202020204" pitchFamily="34" charset="0"/>
+              </a:rPr>
+              <a:t>Creștere matură și stabilizată: Evoluție constantă</a:t>
+            </a:r>
+            <a:endParaRPr lang="en-US" sz="1800" kern="0" dirty="0">
+              <a:effectLst/>
+              <a:latin typeface="Times New Roman" panose="02020603050405020304" pitchFamily="18" charset="0"/>
+              <a:ea typeface="Aptos" panose="020B0004020202020204" pitchFamily="34" charset="0"/>
+              <a:cs typeface="Times New Roman" panose="02020603050405020304" pitchFamily="18" charset="0"/>
+            </a:endParaRPr>
+          </a:p>
+          <a:p>
+            <a:pPr marL="342900" indent="-342900">
+              <a:buFont typeface="Arial" panose="020B0604020202020204" pitchFamily="34" charset="0"/>
+              <a:buChar char="•"/>
+            </a:pPr>
+            <a:r>
+              <a:rPr lang="en-US" kern="0" dirty="0">
+                <a:latin typeface="Times New Roman" panose="02020603050405020304" pitchFamily="18" charset="0"/>
+                <a:cs typeface="Times New Roman" panose="02020603050405020304" pitchFamily="18" charset="0"/>
+              </a:rPr>
+              <a:t>C2 - </a:t>
+            </a:r>
+            <a:r>
+              <a:rPr lang="ro-RO" sz="1800" kern="0" dirty="0">
+                <a:effectLst/>
+                <a:latin typeface="Times New Roman" panose="02020603050405020304" pitchFamily="18" charset="0"/>
+                <a:ea typeface="Aptos" panose="020B0004020202020204" pitchFamily="34" charset="0"/>
+              </a:rPr>
+              <a:t>Cicluri de instabilitate</a:t>
+            </a:r>
+            <a:r>
+              <a:rPr lang="en-US" sz="1800" kern="0" dirty="0">
+                <a:effectLst/>
+                <a:latin typeface="Times New Roman" panose="02020603050405020304" pitchFamily="18" charset="0"/>
+                <a:ea typeface="Aptos" panose="020B0004020202020204" pitchFamily="34" charset="0"/>
+              </a:rPr>
+              <a:t>,</a:t>
+            </a:r>
+            <a:r>
+              <a:rPr lang="ro-RO" sz="1800" kern="0" dirty="0">
+                <a:effectLst/>
+                <a:latin typeface="Times New Roman" panose="02020603050405020304" pitchFamily="18" charset="0"/>
+                <a:ea typeface="Aptos" panose="020B0004020202020204" pitchFamily="34" charset="0"/>
+              </a:rPr>
+              <a:t> oscilații, stagnări și reluări ale creșterii</a:t>
+            </a:r>
+            <a:endParaRPr lang="en-US" sz="1800" kern="0" dirty="0">
+              <a:effectLst/>
+              <a:latin typeface="Times New Roman" panose="02020603050405020304" pitchFamily="18" charset="0"/>
+              <a:ea typeface="Aptos" panose="020B0004020202020204" pitchFamily="34" charset="0"/>
+            </a:endParaRPr>
+          </a:p>
+          <a:p>
+            <a:pPr marL="342900" indent="-342900">
+              <a:buFont typeface="Arial" panose="020B0604020202020204" pitchFamily="34" charset="0"/>
+              <a:buChar char="•"/>
+            </a:pPr>
+            <a:r>
+              <a:rPr lang="en-US" dirty="0">
+                <a:latin typeface="Times New Roman" panose="02020603050405020304" pitchFamily="18" charset="0"/>
+                <a:cs typeface="Times New Roman" panose="02020603050405020304" pitchFamily="18" charset="0"/>
+              </a:rPr>
+              <a:t>C3 - </a:t>
+            </a:r>
+            <a:r>
+              <a:rPr lang="ro-RO" sz="1800" kern="0" dirty="0">
+                <a:effectLst/>
+                <a:latin typeface="Times New Roman" panose="02020603050405020304" pitchFamily="18" charset="0"/>
+                <a:ea typeface="Aptos" panose="020B0004020202020204" pitchFamily="34" charset="0"/>
+              </a:rPr>
+              <a:t>Platou sau declin</a:t>
+            </a:r>
+            <a:endParaRPr lang="ro-RO" dirty="0">
+              <a:latin typeface="Times New Roman" panose="02020603050405020304" pitchFamily="18" charset="0"/>
+              <a:cs typeface="Times New Roman" panose="02020603050405020304" pitchFamily="18" charset="0"/>
+            </a:endParaRPr>
+          </a:p>
+          <a:p>
+            <a:pPr marL="342900" indent="-342900">
+              <a:buFont typeface="Arial" panose="020B0604020202020204" pitchFamily="34" charset="0"/>
+              <a:buChar char="•"/>
+            </a:pPr>
+            <a:endParaRPr lang="ro-RO" dirty="0"/>
           </a:p>
         </p:txBody>
       </p:sp>
@@ -7425,6 +8613,1159 @@
     <p:extLst>
       <p:ext uri="{BB962C8B-B14F-4D97-AF65-F5344CB8AC3E}">
         <p14:creationId xmlns:p14="http://schemas.microsoft.com/office/powerpoint/2010/main" val="3254438255"/>
+      </p:ext>
+    </p:extLst>
+  </p:cSld>
+  <p:clrMapOvr>
+    <a:masterClrMapping/>
+  </p:clrMapOvr>
+</p:sld>
+</file>
+
+<file path=ppt/slides/slide8.xml><?xml version="1.0" encoding="utf-8"?>
+<p:sld xmlns:a="http://schemas.openxmlformats.org/drawingml/2006/main" xmlns:r="http://schemas.openxmlformats.org/officeDocument/2006/relationships" xmlns:p="http://schemas.openxmlformats.org/presentationml/2006/main">
+  <p:cSld>
+    <p:bg>
+      <p:bgPr>
+        <a:solidFill>
+          <a:schemeClr val="bg1"/>
+        </a:solidFill>
+        <a:effectLst/>
+      </p:bgPr>
+    </p:bg>
+    <p:spTree>
+      <p:nvGrpSpPr>
+        <p:cNvPr id="1" name=""/>
+        <p:cNvGrpSpPr/>
+        <p:nvPr/>
+      </p:nvGrpSpPr>
+      <p:grpSpPr>
+        <a:xfrm>
+          <a:off x="0" y="0"/>
+          <a:ext cx="0" cy="0"/>
+          <a:chOff x="0" y="0"/>
+          <a:chExt cx="0" cy="0"/>
+        </a:xfrm>
+      </p:grpSpPr>
+      <p:sp useBgFill="1">
+        <p:nvSpPr>
+          <p:cNvPr id="8" name="Rectangle 7">
+            <a:extLst>
+              <a:ext uri="{FF2B5EF4-FFF2-40B4-BE49-F238E27FC236}">
+                <a16:creationId xmlns:a16="http://schemas.microsoft.com/office/drawing/2014/main" id="{1B15ED52-F352-441B-82BF-E0EA34836D08}"/>
+              </a:ext>
+              <a:ext uri="{C183D7F6-B498-43B3-948B-1728B52AA6E4}">
+                <adec:decorative xmlns:adec="http://schemas.microsoft.com/office/drawing/2017/decorative" val="1"/>
+              </a:ext>
+            </a:extLst>
+          </p:cNvPr>
+          <p:cNvSpPr>
+            <a:spLocks noGrp="1" noRot="1" noChangeAspect="1" noMove="1" noResize="1" noEditPoints="1" noAdjustHandles="1" noChangeArrowheads="1" noChangeShapeType="1" noTextEdit="1"/>
+          </p:cNvSpPr>
+          <p:nvPr>
+            <p:extLst>
+              <p:ext uri="{386F3935-93C4-4BCD-93E2-E3B085C9AB24}">
+                <p16:designElem xmlns:p16="http://schemas.microsoft.com/office/powerpoint/2015/main" val="1"/>
+              </p:ext>
+            </p:extLst>
+          </p:nvPr>
+        </p:nvSpPr>
+        <p:spPr>
+          <a:xfrm>
+            <a:off x="0" y="0"/>
+            <a:ext cx="12192000" cy="6858000"/>
+          </a:xfrm>
+          <a:prstGeom prst="rect">
+            <a:avLst/>
+          </a:prstGeom>
+          <a:ln w="12700" cap="flat" cmpd="sng" algn="ctr">
+            <a:noFill/>
+            <a:prstDash val="solid"/>
+            <a:miter lim="800000"/>
+          </a:ln>
+          <a:effectLst/>
+          <a:extLst>
+            <a:ext uri="{91240B29-F687-4F45-9708-019B960494DF}">
+              <a14:hiddenLine xmlns:a14="http://schemas.microsoft.com/office/drawing/2010/main" w="12700" cap="flat" cmpd="sng" algn="ctr">
+                <a:solidFill>
+                  <a:schemeClr val="accent1">
+                    <a:shade val="50000"/>
+                  </a:schemeClr>
+                </a:solidFill>
+                <a:prstDash val="solid"/>
+                <a:miter lim="800000"/>
+              </a14:hiddenLine>
+            </a:ext>
+          </a:extLst>
+        </p:spPr>
+        <p:style>
+          <a:lnRef idx="2">
+            <a:schemeClr val="accent1">
+              <a:shade val="50000"/>
+            </a:schemeClr>
+          </a:lnRef>
+          <a:fillRef idx="1">
+            <a:schemeClr val="accent1"/>
+          </a:fillRef>
+          <a:effectRef idx="0">
+            <a:schemeClr val="accent1"/>
+          </a:effectRef>
+          <a:fontRef idx="minor">
+            <a:schemeClr val="lt1"/>
+          </a:fontRef>
+        </p:style>
+        <p:txBody>
+          <a:bodyPr rtlCol="0" anchor="ctr"/>
+          <a:lstStyle/>
+          <a:p>
+            <a:pPr algn="ctr"/>
+            <a:endParaRPr lang="en-US"/>
+          </a:p>
+        </p:txBody>
+      </p:sp>
+      <p:sp>
+        <p:nvSpPr>
+          <p:cNvPr id="10" name="Rectangle 9">
+            <a:extLst>
+              <a:ext uri="{FF2B5EF4-FFF2-40B4-BE49-F238E27FC236}">
+                <a16:creationId xmlns:a16="http://schemas.microsoft.com/office/drawing/2014/main" id="{3B2E3793-BFE6-45A2-9B7B-E18844431C99}"/>
+              </a:ext>
+              <a:ext uri="{C183D7F6-B498-43B3-948B-1728B52AA6E4}">
+                <adec:decorative xmlns:adec="http://schemas.microsoft.com/office/drawing/2017/decorative" val="1"/>
+              </a:ext>
+            </a:extLst>
+          </p:cNvPr>
+          <p:cNvSpPr>
+            <a:spLocks noGrp="1" noRot="1" noChangeAspect="1" noMove="1" noResize="1" noEditPoints="1" noAdjustHandles="1" noChangeArrowheads="1" noChangeShapeType="1" noTextEdit="1"/>
+          </p:cNvSpPr>
+          <p:nvPr>
+            <p:extLst>
+              <p:ext uri="{386F3935-93C4-4BCD-93E2-E3B085C9AB24}">
+                <p16:designElem xmlns:p16="http://schemas.microsoft.com/office/powerpoint/2015/main" val="1"/>
+              </p:ext>
+            </p:extLst>
+          </p:nvPr>
+        </p:nvSpPr>
+        <p:spPr>
+          <a:xfrm flipH="1">
+            <a:off x="-1" y="-1"/>
+            <a:ext cx="12191998" cy="1590742"/>
+          </a:xfrm>
+          <a:prstGeom prst="rect">
+            <a:avLst/>
+          </a:prstGeom>
+          <a:gradFill>
+            <a:gsLst>
+              <a:gs pos="0">
+                <a:srgbClr val="000000"/>
+              </a:gs>
+              <a:gs pos="100000">
+                <a:schemeClr val="accent1">
+                  <a:lumMod val="75000"/>
+                </a:schemeClr>
+              </a:gs>
+            </a:gsLst>
+            <a:lin ang="8400000" scaled="0"/>
+          </a:gradFill>
+          <a:ln>
+            <a:noFill/>
+          </a:ln>
+        </p:spPr>
+        <p:style>
+          <a:lnRef idx="2">
+            <a:schemeClr val="accent1">
+              <a:shade val="50000"/>
+            </a:schemeClr>
+          </a:lnRef>
+          <a:fillRef idx="1">
+            <a:schemeClr val="accent1"/>
+          </a:fillRef>
+          <a:effectRef idx="0">
+            <a:schemeClr val="accent1"/>
+          </a:effectRef>
+          <a:fontRef idx="minor">
+            <a:schemeClr val="lt1"/>
+          </a:fontRef>
+        </p:style>
+        <p:txBody>
+          <a:bodyPr rtlCol="0" anchor="ctr"/>
+          <a:lstStyle/>
+          <a:p>
+            <a:pPr algn="ctr"/>
+            <a:endParaRPr lang="en-US"/>
+          </a:p>
+        </p:txBody>
+      </p:sp>
+      <p:sp>
+        <p:nvSpPr>
+          <p:cNvPr id="12" name="Rectangle 11">
+            <a:extLst>
+              <a:ext uri="{FF2B5EF4-FFF2-40B4-BE49-F238E27FC236}">
+                <a16:creationId xmlns:a16="http://schemas.microsoft.com/office/drawing/2014/main" id="{BC4C4868-CB8F-4AF9-9CDB-8108F2C19B67}"/>
+              </a:ext>
+              <a:ext uri="{C183D7F6-B498-43B3-948B-1728B52AA6E4}">
+                <adec:decorative xmlns:adec="http://schemas.microsoft.com/office/drawing/2017/decorative" val="1"/>
+              </a:ext>
+            </a:extLst>
+          </p:cNvPr>
+          <p:cNvSpPr>
+            <a:spLocks noGrp="1" noRot="1" noChangeAspect="1" noMove="1" noResize="1" noEditPoints="1" noAdjustHandles="1" noChangeArrowheads="1" noChangeShapeType="1" noTextEdit="1"/>
+          </p:cNvSpPr>
+          <p:nvPr>
+            <p:extLst>
+              <p:ext uri="{386F3935-93C4-4BCD-93E2-E3B085C9AB24}">
+                <p16:designElem xmlns:p16="http://schemas.microsoft.com/office/powerpoint/2015/main" val="1"/>
+              </p:ext>
+            </p:extLst>
+          </p:nvPr>
+        </p:nvSpPr>
+        <p:spPr>
+          <a:xfrm rot="10800000" flipH="1">
+            <a:off x="-3" y="0"/>
+            <a:ext cx="8115306" cy="1590742"/>
+          </a:xfrm>
+          <a:prstGeom prst="rect">
+            <a:avLst/>
+          </a:prstGeom>
+          <a:gradFill>
+            <a:gsLst>
+              <a:gs pos="20000">
+                <a:schemeClr val="accent1">
+                  <a:alpha val="0"/>
+                </a:schemeClr>
+              </a:gs>
+              <a:gs pos="100000">
+                <a:schemeClr val="accent1">
+                  <a:lumMod val="50000"/>
+                  <a:alpha val="55000"/>
+                </a:schemeClr>
+              </a:gs>
+            </a:gsLst>
+            <a:lin ang="13800000" scaled="0"/>
+          </a:gradFill>
+          <a:ln>
+            <a:noFill/>
+          </a:ln>
+        </p:spPr>
+        <p:style>
+          <a:lnRef idx="2">
+            <a:schemeClr val="accent1">
+              <a:shade val="50000"/>
+            </a:schemeClr>
+          </a:lnRef>
+          <a:fillRef idx="1">
+            <a:schemeClr val="accent1"/>
+          </a:fillRef>
+          <a:effectRef idx="0">
+            <a:schemeClr val="accent1"/>
+          </a:effectRef>
+          <a:fontRef idx="minor">
+            <a:schemeClr val="lt1"/>
+          </a:fontRef>
+        </p:style>
+        <p:txBody>
+          <a:bodyPr rtlCol="0" anchor="ctr"/>
+          <a:lstStyle/>
+          <a:p>
+            <a:pPr algn="ctr"/>
+            <a:endParaRPr lang="en-US"/>
+          </a:p>
+        </p:txBody>
+      </p:sp>
+      <p:sp>
+        <p:nvSpPr>
+          <p:cNvPr id="14" name="Rectangle 13">
+            <a:extLst>
+              <a:ext uri="{FF2B5EF4-FFF2-40B4-BE49-F238E27FC236}">
+                <a16:creationId xmlns:a16="http://schemas.microsoft.com/office/drawing/2014/main" id="{375E0459-6403-40CD-989D-56A4407CA12E}"/>
+              </a:ext>
+              <a:ext uri="{C183D7F6-B498-43B3-948B-1728B52AA6E4}">
+                <adec:decorative xmlns:adec="http://schemas.microsoft.com/office/drawing/2017/decorative" val="1"/>
+              </a:ext>
+            </a:extLst>
+          </p:cNvPr>
+          <p:cNvSpPr>
+            <a:spLocks noGrp="1" noRot="1" noChangeAspect="1" noMove="1" noResize="1" noEditPoints="1" noAdjustHandles="1" noChangeArrowheads="1" noChangeShapeType="1" noTextEdit="1"/>
+          </p:cNvSpPr>
+          <p:nvPr>
+            <p:extLst>
+              <p:ext uri="{386F3935-93C4-4BCD-93E2-E3B085C9AB24}">
+                <p16:designElem xmlns:p16="http://schemas.microsoft.com/office/powerpoint/2015/main" val="1"/>
+              </p:ext>
+            </p:extLst>
+          </p:nvPr>
+        </p:nvSpPr>
+        <p:spPr>
+          <a:xfrm flipH="1">
+            <a:off x="8115299" y="-1"/>
+            <a:ext cx="4076698" cy="1590742"/>
+          </a:xfrm>
+          <a:prstGeom prst="rect">
+            <a:avLst/>
+          </a:prstGeom>
+          <a:gradFill>
+            <a:gsLst>
+              <a:gs pos="0">
+                <a:schemeClr val="accent1">
+                  <a:alpha val="66000"/>
+                </a:schemeClr>
+              </a:gs>
+              <a:gs pos="100000">
+                <a:srgbClr val="000000">
+                  <a:alpha val="30000"/>
+                </a:srgbClr>
+              </a:gs>
+            </a:gsLst>
+            <a:lin ang="13200000" scaled="0"/>
+          </a:gradFill>
+          <a:ln>
+            <a:noFill/>
+          </a:ln>
+        </p:spPr>
+        <p:style>
+          <a:lnRef idx="2">
+            <a:schemeClr val="accent1">
+              <a:shade val="50000"/>
+            </a:schemeClr>
+          </a:lnRef>
+          <a:fillRef idx="1">
+            <a:schemeClr val="accent1"/>
+          </a:fillRef>
+          <a:effectRef idx="0">
+            <a:schemeClr val="accent1"/>
+          </a:effectRef>
+          <a:fontRef idx="minor">
+            <a:schemeClr val="lt1"/>
+          </a:fontRef>
+        </p:style>
+        <p:txBody>
+          <a:bodyPr rtlCol="0" anchor="ctr"/>
+          <a:lstStyle/>
+          <a:p>
+            <a:pPr algn="ctr"/>
+            <a:endParaRPr lang="en-US"/>
+          </a:p>
+        </p:txBody>
+      </p:sp>
+      <p:sp>
+        <p:nvSpPr>
+          <p:cNvPr id="16" name="Rectangle 15">
+            <a:extLst>
+              <a:ext uri="{FF2B5EF4-FFF2-40B4-BE49-F238E27FC236}">
+                <a16:creationId xmlns:a16="http://schemas.microsoft.com/office/drawing/2014/main" id="{53E5B1A8-3AC9-4BD1-9BBC-78CA94F2D1BA}"/>
+              </a:ext>
+              <a:ext uri="{C183D7F6-B498-43B3-948B-1728B52AA6E4}">
+                <adec:decorative xmlns:adec="http://schemas.microsoft.com/office/drawing/2017/decorative" val="1"/>
+              </a:ext>
+            </a:extLst>
+          </p:cNvPr>
+          <p:cNvSpPr>
+            <a:spLocks noGrp="1" noRot="1" noChangeAspect="1" noMove="1" noResize="1" noEditPoints="1" noAdjustHandles="1" noChangeArrowheads="1" noChangeShapeType="1" noTextEdit="1"/>
+          </p:cNvSpPr>
+          <p:nvPr>
+            <p:extLst>
+              <p:ext uri="{386F3935-93C4-4BCD-93E2-E3B085C9AB24}">
+                <p16:designElem xmlns:p16="http://schemas.microsoft.com/office/powerpoint/2015/main" val="1"/>
+              </p:ext>
+            </p:extLst>
+          </p:nvPr>
+        </p:nvSpPr>
+        <p:spPr>
+          <a:xfrm>
+            <a:off x="459350" y="-1"/>
+            <a:ext cx="11732646" cy="1597433"/>
+          </a:xfrm>
+          <a:prstGeom prst="rect">
+            <a:avLst/>
+          </a:prstGeom>
+          <a:gradFill>
+            <a:gsLst>
+              <a:gs pos="50000">
+                <a:srgbClr val="000000">
+                  <a:alpha val="0"/>
+                </a:srgbClr>
+              </a:gs>
+              <a:gs pos="99000">
+                <a:schemeClr val="accent1">
+                  <a:lumMod val="50000"/>
+                  <a:alpha val="52000"/>
+                </a:schemeClr>
+              </a:gs>
+            </a:gsLst>
+            <a:lin ang="16800000" scaled="0"/>
+          </a:gradFill>
+          <a:ln>
+            <a:noFill/>
+          </a:ln>
+        </p:spPr>
+        <p:style>
+          <a:lnRef idx="2">
+            <a:schemeClr val="accent1">
+              <a:shade val="50000"/>
+            </a:schemeClr>
+          </a:lnRef>
+          <a:fillRef idx="1">
+            <a:schemeClr val="accent1"/>
+          </a:fillRef>
+          <a:effectRef idx="0">
+            <a:schemeClr val="accent1"/>
+          </a:effectRef>
+          <a:fontRef idx="minor">
+            <a:schemeClr val="lt1"/>
+          </a:fontRef>
+        </p:style>
+        <p:txBody>
+          <a:bodyPr rtlCol="0" anchor="ctr"/>
+          <a:lstStyle/>
+          <a:p>
+            <a:pPr algn="ctr"/>
+            <a:endParaRPr lang="en-US"/>
+          </a:p>
+        </p:txBody>
+      </p:sp>
+      <p:sp>
+        <p:nvSpPr>
+          <p:cNvPr id="2" name="Title 1">
+            <a:extLst>
+              <a:ext uri="{FF2B5EF4-FFF2-40B4-BE49-F238E27FC236}">
+                <a16:creationId xmlns:a16="http://schemas.microsoft.com/office/drawing/2014/main" id="{9B7C676E-0B01-2AE8-C278-02743F2FD21C}"/>
+              </a:ext>
+            </a:extLst>
+          </p:cNvPr>
+          <p:cNvSpPr>
+            <a:spLocks noGrp="1"/>
+          </p:cNvSpPr>
+          <p:nvPr>
+            <p:ph type="title"/>
+          </p:nvPr>
+        </p:nvSpPr>
+        <p:spPr>
+          <a:xfrm>
+            <a:off x="1371599" y="294538"/>
+            <a:ext cx="9895951" cy="1033669"/>
+          </a:xfrm>
+        </p:spPr>
+        <p:txBody>
+          <a:bodyPr>
+            <a:normAutofit/>
+          </a:bodyPr>
+          <a:lstStyle/>
+          <a:p>
+            <a:r>
+              <a:rPr lang="ro-RO" sz="4000" dirty="0">
+                <a:solidFill>
+                  <a:srgbClr val="FFFFFF"/>
+                </a:solidFill>
+              </a:rPr>
+              <a:t>Pregătirea</a:t>
+            </a:r>
+            <a:r>
+              <a:rPr lang="ro-RO" sz="4000" dirty="0"/>
+              <a:t> </a:t>
+            </a:r>
+            <a:r>
+              <a:rPr lang="ro-RO" sz="4000" dirty="0">
+                <a:solidFill>
+                  <a:srgbClr val="FFFFFF"/>
+                </a:solidFill>
+              </a:rPr>
+              <a:t>datelor pentru analize viitoare</a:t>
+            </a:r>
+          </a:p>
+        </p:txBody>
+      </p:sp>
+      <p:sp>
+        <p:nvSpPr>
+          <p:cNvPr id="7" name="TextBox 6">
+            <a:extLst>
+              <a:ext uri="{FF2B5EF4-FFF2-40B4-BE49-F238E27FC236}">
+                <a16:creationId xmlns:a16="http://schemas.microsoft.com/office/drawing/2014/main" id="{19ADC585-6AD5-B68C-8871-14E0D3A616B7}"/>
+              </a:ext>
+            </a:extLst>
+          </p:cNvPr>
+          <p:cNvSpPr txBox="1"/>
+          <p:nvPr/>
+        </p:nvSpPr>
+        <p:spPr>
+          <a:xfrm>
+            <a:off x="762000" y="1681456"/>
+            <a:ext cx="11429996" cy="3724096"/>
+          </a:xfrm>
+          <a:prstGeom prst="rect">
+            <a:avLst/>
+          </a:prstGeom>
+          <a:noFill/>
+        </p:spPr>
+        <p:txBody>
+          <a:bodyPr wrap="square" rtlCol="0">
+            <a:spAutoFit/>
+          </a:bodyPr>
+          <a:lstStyle/>
+          <a:p>
+            <a:pPr marL="0" indent="0">
+              <a:buNone/>
+            </a:pPr>
+            <a:r>
+              <a:rPr lang="ro-RO" sz="3200" dirty="0"/>
+              <a:t>Integrarea și transformarea a două seturi de date eterogene</a:t>
+            </a:r>
+          </a:p>
+          <a:p>
+            <a:endParaRPr lang="ro-RO" sz="2400" dirty="0"/>
+          </a:p>
+          <a:p>
+            <a:pPr marL="342900" indent="-342900">
+              <a:buFont typeface="Arial" panose="020B0604020202020204" pitchFamily="34" charset="0"/>
+              <a:buChar char="•"/>
+            </a:pPr>
+            <a:r>
+              <a:rPr lang="ro-RO" sz="2400" dirty="0">
+                <a:latin typeface="Times New Roman" panose="02020603050405020304" pitchFamily="18" charset="0"/>
+                <a:cs typeface="Times New Roman" panose="02020603050405020304" pitchFamily="18" charset="0"/>
+              </a:rPr>
+              <a:t>Unificarea si restructurarea datelor</a:t>
+            </a:r>
+          </a:p>
+          <a:p>
+            <a:pPr marL="800100" lvl="1" indent="-342900">
+              <a:buFont typeface="Arial" panose="020B0604020202020204" pitchFamily="34" charset="0"/>
+              <a:buChar char="•"/>
+            </a:pPr>
+            <a:r>
+              <a:rPr lang="ro-RO" dirty="0">
+                <a:latin typeface="Times New Roman" panose="02020603050405020304" pitchFamily="18" charset="0"/>
+                <a:ea typeface="Aptos" panose="020B0004020202020204" pitchFamily="34" charset="0"/>
+                <a:cs typeface="Times New Roman" panose="02020603050405020304" pitchFamily="18" charset="0"/>
+              </a:rPr>
+              <a:t>T</a:t>
+            </a:r>
+            <a:r>
+              <a:rPr lang="ro-RO" sz="1800" dirty="0">
+                <a:effectLst/>
+                <a:latin typeface="Times New Roman" panose="02020603050405020304" pitchFamily="18" charset="0"/>
+                <a:ea typeface="Aptos" panose="020B0004020202020204" pitchFamily="34" charset="0"/>
+                <a:cs typeface="Times New Roman" panose="02020603050405020304" pitchFamily="18" charset="0"/>
+              </a:rPr>
+              <a:t>ransformarea setului din format lat (wide) în format long (tidy data), prin funcția melt (pandas)</a:t>
+            </a:r>
+          </a:p>
+          <a:p>
+            <a:pPr marL="800100" lvl="1" indent="-342900">
+              <a:buFont typeface="Arial" panose="020B0604020202020204" pitchFamily="34" charset="0"/>
+              <a:buChar char="•"/>
+            </a:pPr>
+            <a:r>
+              <a:rPr lang="ro-RO" dirty="0">
+                <a:latin typeface="Times New Roman" panose="02020603050405020304" pitchFamily="18" charset="0"/>
+                <a:ea typeface="Aptos" panose="020B0004020202020204" pitchFamily="34" charset="0"/>
+                <a:cs typeface="Times New Roman" panose="02020603050405020304" pitchFamily="18" charset="0"/>
+              </a:rPr>
+              <a:t>Concatenarea seturilor într-un unic DataFrame</a:t>
+            </a:r>
+          </a:p>
+          <a:p>
+            <a:pPr marL="342900" indent="-342900">
+              <a:buFont typeface="Arial" panose="020B0604020202020204" pitchFamily="34" charset="0"/>
+              <a:buChar char="•"/>
+            </a:pPr>
+            <a:r>
+              <a:rPr lang="ro-RO" sz="2400" dirty="0">
+                <a:latin typeface="Times New Roman" panose="02020603050405020304" pitchFamily="18" charset="0"/>
+                <a:cs typeface="Times New Roman" panose="02020603050405020304" pitchFamily="18" charset="0"/>
+              </a:rPr>
+              <a:t>Pivotarea datelor</a:t>
+            </a:r>
+          </a:p>
+          <a:p>
+            <a:pPr marL="342900" indent="-342900">
+              <a:buFont typeface="Arial" panose="020B0604020202020204" pitchFamily="34" charset="0"/>
+              <a:buChar char="•"/>
+            </a:pPr>
+            <a:r>
+              <a:rPr lang="ro-RO" sz="2400" dirty="0">
+                <a:latin typeface="Times New Roman" panose="02020603050405020304" pitchFamily="18" charset="0"/>
+                <a:cs typeface="Times New Roman" panose="02020603050405020304" pitchFamily="18" charset="0"/>
+              </a:rPr>
+              <a:t>Completarea valorilor lipsă</a:t>
+            </a:r>
+          </a:p>
+          <a:p>
+            <a:pPr marL="342900" indent="-342900">
+              <a:buFont typeface="Arial" panose="020B0604020202020204" pitchFamily="34" charset="0"/>
+              <a:buChar char="•"/>
+            </a:pPr>
+            <a:r>
+              <a:rPr lang="ro-RO" sz="2400" dirty="0">
+                <a:latin typeface="Times New Roman" panose="02020603050405020304" pitchFamily="18" charset="0"/>
+                <a:cs typeface="Times New Roman" panose="02020603050405020304" pitchFamily="18" charset="0"/>
+              </a:rPr>
+              <a:t>Transformarea StandardScaler pentru eventuali algoritmi care se bazeaza pe distanțe euclidiene sau varianțe (PCA, K-Means)</a:t>
+            </a:r>
+          </a:p>
+          <a:p>
+            <a:pPr marL="800100" lvl="1" indent="-342900">
+              <a:buFont typeface="Arial" panose="020B0604020202020204" pitchFamily="34" charset="0"/>
+              <a:buChar char="•"/>
+            </a:pPr>
+            <a:endParaRPr lang="ro-RO" sz="2400" dirty="0"/>
+          </a:p>
+        </p:txBody>
+      </p:sp>
+    </p:spTree>
+    <p:extLst>
+      <p:ext uri="{BB962C8B-B14F-4D97-AF65-F5344CB8AC3E}">
+        <p14:creationId xmlns:p14="http://schemas.microsoft.com/office/powerpoint/2010/main" val="2041861763"/>
+      </p:ext>
+    </p:extLst>
+  </p:cSld>
+  <p:clrMapOvr>
+    <a:masterClrMapping/>
+  </p:clrMapOvr>
+</p:sld>
+</file>
+
+<file path=ppt/slides/slide9.xml><?xml version="1.0" encoding="utf-8"?>
+<p:sld xmlns:a="http://schemas.openxmlformats.org/drawingml/2006/main" xmlns:r="http://schemas.openxmlformats.org/officeDocument/2006/relationships" xmlns:p="http://schemas.openxmlformats.org/presentationml/2006/main">
+  <p:cSld>
+    <p:bg>
+      <p:bgPr>
+        <a:solidFill>
+          <a:schemeClr val="bg1"/>
+        </a:solidFill>
+        <a:effectLst/>
+      </p:bgPr>
+    </p:bg>
+    <p:spTree>
+      <p:nvGrpSpPr>
+        <p:cNvPr id="1" name=""/>
+        <p:cNvGrpSpPr/>
+        <p:nvPr/>
+      </p:nvGrpSpPr>
+      <p:grpSpPr>
+        <a:xfrm>
+          <a:off x="0" y="0"/>
+          <a:ext cx="0" cy="0"/>
+          <a:chOff x="0" y="0"/>
+          <a:chExt cx="0" cy="0"/>
+        </a:xfrm>
+      </p:grpSpPr>
+      <p:sp useBgFill="1">
+        <p:nvSpPr>
+          <p:cNvPr id="8" name="Rectangle 7">
+            <a:extLst>
+              <a:ext uri="{FF2B5EF4-FFF2-40B4-BE49-F238E27FC236}">
+                <a16:creationId xmlns:a16="http://schemas.microsoft.com/office/drawing/2014/main" id="{1B15ED52-F352-441B-82BF-E0EA34836D08}"/>
+              </a:ext>
+              <a:ext uri="{C183D7F6-B498-43B3-948B-1728B52AA6E4}">
+                <adec:decorative xmlns:adec="http://schemas.microsoft.com/office/drawing/2017/decorative" val="1"/>
+              </a:ext>
+            </a:extLst>
+          </p:cNvPr>
+          <p:cNvSpPr>
+            <a:spLocks noGrp="1" noRot="1" noChangeAspect="1" noMove="1" noResize="1" noEditPoints="1" noAdjustHandles="1" noChangeArrowheads="1" noChangeShapeType="1" noTextEdit="1"/>
+          </p:cNvSpPr>
+          <p:nvPr>
+            <p:extLst>
+              <p:ext uri="{386F3935-93C4-4BCD-93E2-E3B085C9AB24}">
+                <p16:designElem xmlns:p16="http://schemas.microsoft.com/office/powerpoint/2015/main" val="1"/>
+              </p:ext>
+            </p:extLst>
+          </p:nvPr>
+        </p:nvSpPr>
+        <p:spPr>
+          <a:xfrm>
+            <a:off x="0" y="0"/>
+            <a:ext cx="12192000" cy="6858000"/>
+          </a:xfrm>
+          <a:prstGeom prst="rect">
+            <a:avLst/>
+          </a:prstGeom>
+          <a:ln w="12700" cap="flat" cmpd="sng" algn="ctr">
+            <a:noFill/>
+            <a:prstDash val="solid"/>
+            <a:miter lim="800000"/>
+          </a:ln>
+          <a:effectLst/>
+          <a:extLst>
+            <a:ext uri="{91240B29-F687-4F45-9708-019B960494DF}">
+              <a14:hiddenLine xmlns:a14="http://schemas.microsoft.com/office/drawing/2010/main" w="12700" cap="flat" cmpd="sng" algn="ctr">
+                <a:solidFill>
+                  <a:schemeClr val="accent1">
+                    <a:shade val="50000"/>
+                  </a:schemeClr>
+                </a:solidFill>
+                <a:prstDash val="solid"/>
+                <a:miter lim="800000"/>
+              </a14:hiddenLine>
+            </a:ext>
+          </a:extLst>
+        </p:spPr>
+        <p:style>
+          <a:lnRef idx="2">
+            <a:schemeClr val="accent1">
+              <a:shade val="50000"/>
+            </a:schemeClr>
+          </a:lnRef>
+          <a:fillRef idx="1">
+            <a:schemeClr val="accent1"/>
+          </a:fillRef>
+          <a:effectRef idx="0">
+            <a:schemeClr val="accent1"/>
+          </a:effectRef>
+          <a:fontRef idx="minor">
+            <a:schemeClr val="lt1"/>
+          </a:fontRef>
+        </p:style>
+        <p:txBody>
+          <a:bodyPr rtlCol="0" anchor="ctr"/>
+          <a:lstStyle/>
+          <a:p>
+            <a:pPr algn="ctr"/>
+            <a:endParaRPr lang="en-US"/>
+          </a:p>
+        </p:txBody>
+      </p:sp>
+      <p:sp>
+        <p:nvSpPr>
+          <p:cNvPr id="10" name="Rectangle 9">
+            <a:extLst>
+              <a:ext uri="{FF2B5EF4-FFF2-40B4-BE49-F238E27FC236}">
+                <a16:creationId xmlns:a16="http://schemas.microsoft.com/office/drawing/2014/main" id="{3B2E3793-BFE6-45A2-9B7B-E18844431C99}"/>
+              </a:ext>
+              <a:ext uri="{C183D7F6-B498-43B3-948B-1728B52AA6E4}">
+                <adec:decorative xmlns:adec="http://schemas.microsoft.com/office/drawing/2017/decorative" val="1"/>
+              </a:ext>
+            </a:extLst>
+          </p:cNvPr>
+          <p:cNvSpPr>
+            <a:spLocks noGrp="1" noRot="1" noChangeAspect="1" noMove="1" noResize="1" noEditPoints="1" noAdjustHandles="1" noChangeArrowheads="1" noChangeShapeType="1" noTextEdit="1"/>
+          </p:cNvSpPr>
+          <p:nvPr>
+            <p:extLst>
+              <p:ext uri="{386F3935-93C4-4BCD-93E2-E3B085C9AB24}">
+                <p16:designElem xmlns:p16="http://schemas.microsoft.com/office/powerpoint/2015/main" val="1"/>
+              </p:ext>
+            </p:extLst>
+          </p:nvPr>
+        </p:nvSpPr>
+        <p:spPr>
+          <a:xfrm flipH="1">
+            <a:off x="-1" y="-1"/>
+            <a:ext cx="12191998" cy="1590742"/>
+          </a:xfrm>
+          <a:prstGeom prst="rect">
+            <a:avLst/>
+          </a:prstGeom>
+          <a:gradFill>
+            <a:gsLst>
+              <a:gs pos="0">
+                <a:srgbClr val="000000"/>
+              </a:gs>
+              <a:gs pos="100000">
+                <a:schemeClr val="accent1">
+                  <a:lumMod val="75000"/>
+                </a:schemeClr>
+              </a:gs>
+            </a:gsLst>
+            <a:lin ang="8400000" scaled="0"/>
+          </a:gradFill>
+          <a:ln>
+            <a:noFill/>
+          </a:ln>
+        </p:spPr>
+        <p:style>
+          <a:lnRef idx="2">
+            <a:schemeClr val="accent1">
+              <a:shade val="50000"/>
+            </a:schemeClr>
+          </a:lnRef>
+          <a:fillRef idx="1">
+            <a:schemeClr val="accent1"/>
+          </a:fillRef>
+          <a:effectRef idx="0">
+            <a:schemeClr val="accent1"/>
+          </a:effectRef>
+          <a:fontRef idx="minor">
+            <a:schemeClr val="lt1"/>
+          </a:fontRef>
+        </p:style>
+        <p:txBody>
+          <a:bodyPr rtlCol="0" anchor="ctr"/>
+          <a:lstStyle/>
+          <a:p>
+            <a:pPr algn="ctr"/>
+            <a:endParaRPr lang="en-US"/>
+          </a:p>
+        </p:txBody>
+      </p:sp>
+      <p:sp>
+        <p:nvSpPr>
+          <p:cNvPr id="12" name="Rectangle 11">
+            <a:extLst>
+              <a:ext uri="{FF2B5EF4-FFF2-40B4-BE49-F238E27FC236}">
+                <a16:creationId xmlns:a16="http://schemas.microsoft.com/office/drawing/2014/main" id="{BC4C4868-CB8F-4AF9-9CDB-8108F2C19B67}"/>
+              </a:ext>
+              <a:ext uri="{C183D7F6-B498-43B3-948B-1728B52AA6E4}">
+                <adec:decorative xmlns:adec="http://schemas.microsoft.com/office/drawing/2017/decorative" val="1"/>
+              </a:ext>
+            </a:extLst>
+          </p:cNvPr>
+          <p:cNvSpPr>
+            <a:spLocks noGrp="1" noRot="1" noChangeAspect="1" noMove="1" noResize="1" noEditPoints="1" noAdjustHandles="1" noChangeArrowheads="1" noChangeShapeType="1" noTextEdit="1"/>
+          </p:cNvSpPr>
+          <p:nvPr>
+            <p:extLst>
+              <p:ext uri="{386F3935-93C4-4BCD-93E2-E3B085C9AB24}">
+                <p16:designElem xmlns:p16="http://schemas.microsoft.com/office/powerpoint/2015/main" val="1"/>
+              </p:ext>
+            </p:extLst>
+          </p:nvPr>
+        </p:nvSpPr>
+        <p:spPr>
+          <a:xfrm rot="10800000" flipH="1">
+            <a:off x="-3" y="0"/>
+            <a:ext cx="8115306" cy="1590742"/>
+          </a:xfrm>
+          <a:prstGeom prst="rect">
+            <a:avLst/>
+          </a:prstGeom>
+          <a:gradFill>
+            <a:gsLst>
+              <a:gs pos="20000">
+                <a:schemeClr val="accent1">
+                  <a:alpha val="0"/>
+                </a:schemeClr>
+              </a:gs>
+              <a:gs pos="100000">
+                <a:schemeClr val="accent1">
+                  <a:lumMod val="50000"/>
+                  <a:alpha val="55000"/>
+                </a:schemeClr>
+              </a:gs>
+            </a:gsLst>
+            <a:lin ang="13800000" scaled="0"/>
+          </a:gradFill>
+          <a:ln>
+            <a:noFill/>
+          </a:ln>
+        </p:spPr>
+        <p:style>
+          <a:lnRef idx="2">
+            <a:schemeClr val="accent1">
+              <a:shade val="50000"/>
+            </a:schemeClr>
+          </a:lnRef>
+          <a:fillRef idx="1">
+            <a:schemeClr val="accent1"/>
+          </a:fillRef>
+          <a:effectRef idx="0">
+            <a:schemeClr val="accent1"/>
+          </a:effectRef>
+          <a:fontRef idx="minor">
+            <a:schemeClr val="lt1"/>
+          </a:fontRef>
+        </p:style>
+        <p:txBody>
+          <a:bodyPr rtlCol="0" anchor="ctr"/>
+          <a:lstStyle/>
+          <a:p>
+            <a:pPr algn="ctr"/>
+            <a:endParaRPr lang="en-US"/>
+          </a:p>
+        </p:txBody>
+      </p:sp>
+      <p:sp>
+        <p:nvSpPr>
+          <p:cNvPr id="14" name="Rectangle 13">
+            <a:extLst>
+              <a:ext uri="{FF2B5EF4-FFF2-40B4-BE49-F238E27FC236}">
+                <a16:creationId xmlns:a16="http://schemas.microsoft.com/office/drawing/2014/main" id="{375E0459-6403-40CD-989D-56A4407CA12E}"/>
+              </a:ext>
+              <a:ext uri="{C183D7F6-B498-43B3-948B-1728B52AA6E4}">
+                <adec:decorative xmlns:adec="http://schemas.microsoft.com/office/drawing/2017/decorative" val="1"/>
+              </a:ext>
+            </a:extLst>
+          </p:cNvPr>
+          <p:cNvSpPr>
+            <a:spLocks noGrp="1" noRot="1" noChangeAspect="1" noMove="1" noResize="1" noEditPoints="1" noAdjustHandles="1" noChangeArrowheads="1" noChangeShapeType="1" noTextEdit="1"/>
+          </p:cNvSpPr>
+          <p:nvPr>
+            <p:extLst>
+              <p:ext uri="{386F3935-93C4-4BCD-93E2-E3B085C9AB24}">
+                <p16:designElem xmlns:p16="http://schemas.microsoft.com/office/powerpoint/2015/main" val="1"/>
+              </p:ext>
+            </p:extLst>
+          </p:nvPr>
+        </p:nvSpPr>
+        <p:spPr>
+          <a:xfrm flipH="1">
+            <a:off x="8115299" y="-1"/>
+            <a:ext cx="4076698" cy="1590742"/>
+          </a:xfrm>
+          <a:prstGeom prst="rect">
+            <a:avLst/>
+          </a:prstGeom>
+          <a:gradFill>
+            <a:gsLst>
+              <a:gs pos="0">
+                <a:schemeClr val="accent1">
+                  <a:alpha val="66000"/>
+                </a:schemeClr>
+              </a:gs>
+              <a:gs pos="100000">
+                <a:srgbClr val="000000">
+                  <a:alpha val="30000"/>
+                </a:srgbClr>
+              </a:gs>
+            </a:gsLst>
+            <a:lin ang="13200000" scaled="0"/>
+          </a:gradFill>
+          <a:ln>
+            <a:noFill/>
+          </a:ln>
+        </p:spPr>
+        <p:style>
+          <a:lnRef idx="2">
+            <a:schemeClr val="accent1">
+              <a:shade val="50000"/>
+            </a:schemeClr>
+          </a:lnRef>
+          <a:fillRef idx="1">
+            <a:schemeClr val="accent1"/>
+          </a:fillRef>
+          <a:effectRef idx="0">
+            <a:schemeClr val="accent1"/>
+          </a:effectRef>
+          <a:fontRef idx="minor">
+            <a:schemeClr val="lt1"/>
+          </a:fontRef>
+        </p:style>
+        <p:txBody>
+          <a:bodyPr rtlCol="0" anchor="ctr"/>
+          <a:lstStyle/>
+          <a:p>
+            <a:pPr algn="ctr"/>
+            <a:endParaRPr lang="en-US"/>
+          </a:p>
+        </p:txBody>
+      </p:sp>
+      <p:sp>
+        <p:nvSpPr>
+          <p:cNvPr id="16" name="Rectangle 15">
+            <a:extLst>
+              <a:ext uri="{FF2B5EF4-FFF2-40B4-BE49-F238E27FC236}">
+                <a16:creationId xmlns:a16="http://schemas.microsoft.com/office/drawing/2014/main" id="{53E5B1A8-3AC9-4BD1-9BBC-78CA94F2D1BA}"/>
+              </a:ext>
+              <a:ext uri="{C183D7F6-B498-43B3-948B-1728B52AA6E4}">
+                <adec:decorative xmlns:adec="http://schemas.microsoft.com/office/drawing/2017/decorative" val="1"/>
+              </a:ext>
+            </a:extLst>
+          </p:cNvPr>
+          <p:cNvSpPr>
+            <a:spLocks noGrp="1" noRot="1" noChangeAspect="1" noMove="1" noResize="1" noEditPoints="1" noAdjustHandles="1" noChangeArrowheads="1" noChangeShapeType="1" noTextEdit="1"/>
+          </p:cNvSpPr>
+          <p:nvPr>
+            <p:extLst>
+              <p:ext uri="{386F3935-93C4-4BCD-93E2-E3B085C9AB24}">
+                <p16:designElem xmlns:p16="http://schemas.microsoft.com/office/powerpoint/2015/main" val="1"/>
+              </p:ext>
+            </p:extLst>
+          </p:nvPr>
+        </p:nvSpPr>
+        <p:spPr>
+          <a:xfrm>
+            <a:off x="459350" y="-1"/>
+            <a:ext cx="11732646" cy="1597433"/>
+          </a:xfrm>
+          <a:prstGeom prst="rect">
+            <a:avLst/>
+          </a:prstGeom>
+          <a:gradFill>
+            <a:gsLst>
+              <a:gs pos="50000">
+                <a:srgbClr val="000000">
+                  <a:alpha val="0"/>
+                </a:srgbClr>
+              </a:gs>
+              <a:gs pos="99000">
+                <a:schemeClr val="accent1">
+                  <a:lumMod val="50000"/>
+                  <a:alpha val="52000"/>
+                </a:schemeClr>
+              </a:gs>
+            </a:gsLst>
+            <a:lin ang="16800000" scaled="0"/>
+          </a:gradFill>
+          <a:ln>
+            <a:noFill/>
+          </a:ln>
+        </p:spPr>
+        <p:style>
+          <a:lnRef idx="2">
+            <a:schemeClr val="accent1">
+              <a:shade val="50000"/>
+            </a:schemeClr>
+          </a:lnRef>
+          <a:fillRef idx="1">
+            <a:schemeClr val="accent1"/>
+          </a:fillRef>
+          <a:effectRef idx="0">
+            <a:schemeClr val="accent1"/>
+          </a:effectRef>
+          <a:fontRef idx="minor">
+            <a:schemeClr val="lt1"/>
+          </a:fontRef>
+        </p:style>
+        <p:txBody>
+          <a:bodyPr rtlCol="0" anchor="ctr"/>
+          <a:lstStyle/>
+          <a:p>
+            <a:pPr algn="ctr"/>
+            <a:endParaRPr lang="en-US"/>
+          </a:p>
+        </p:txBody>
+      </p:sp>
+      <p:sp>
+        <p:nvSpPr>
+          <p:cNvPr id="2" name="Title 1">
+            <a:extLst>
+              <a:ext uri="{FF2B5EF4-FFF2-40B4-BE49-F238E27FC236}">
+                <a16:creationId xmlns:a16="http://schemas.microsoft.com/office/drawing/2014/main" id="{9B7C676E-0B01-2AE8-C278-02743F2FD21C}"/>
+              </a:ext>
+            </a:extLst>
+          </p:cNvPr>
+          <p:cNvSpPr>
+            <a:spLocks noGrp="1"/>
+          </p:cNvSpPr>
+          <p:nvPr>
+            <p:ph type="title"/>
+          </p:nvPr>
+        </p:nvSpPr>
+        <p:spPr>
+          <a:xfrm>
+            <a:off x="1371599" y="294538"/>
+            <a:ext cx="9895951" cy="1033669"/>
+          </a:xfrm>
+        </p:spPr>
+        <p:txBody>
+          <a:bodyPr>
+            <a:normAutofit/>
+          </a:bodyPr>
+          <a:lstStyle/>
+          <a:p>
+            <a:r>
+              <a:rPr lang="ro-RO" sz="4000" dirty="0">
+                <a:solidFill>
+                  <a:srgbClr val="FFFFFF"/>
+                </a:solidFill>
+              </a:rPr>
+              <a:t>Direcții</a:t>
+            </a:r>
+            <a:r>
+              <a:rPr lang="ro-RO" sz="2800" dirty="0"/>
+              <a:t> </a:t>
+            </a:r>
+            <a:r>
+              <a:rPr lang="ro-RO" sz="4000" dirty="0">
+                <a:solidFill>
+                  <a:srgbClr val="FFFFFF"/>
+                </a:solidFill>
+              </a:rPr>
+              <a:t>de cercetare viitoare</a:t>
+            </a:r>
+          </a:p>
+        </p:txBody>
+      </p:sp>
+      <p:sp>
+        <p:nvSpPr>
+          <p:cNvPr id="7" name="TextBox 6">
+            <a:extLst>
+              <a:ext uri="{FF2B5EF4-FFF2-40B4-BE49-F238E27FC236}">
+                <a16:creationId xmlns:a16="http://schemas.microsoft.com/office/drawing/2014/main" id="{19ADC585-6AD5-B68C-8871-14E0D3A616B7}"/>
+              </a:ext>
+            </a:extLst>
+          </p:cNvPr>
+          <p:cNvSpPr txBox="1"/>
+          <p:nvPr/>
+        </p:nvSpPr>
+        <p:spPr>
+          <a:xfrm>
+            <a:off x="604576" y="2766012"/>
+            <a:ext cx="11429996" cy="2185214"/>
+          </a:xfrm>
+          <a:prstGeom prst="rect">
+            <a:avLst/>
+          </a:prstGeom>
+          <a:noFill/>
+        </p:spPr>
+        <p:txBody>
+          <a:bodyPr wrap="square" rtlCol="0">
+            <a:spAutoFit/>
+          </a:bodyPr>
+          <a:lstStyle/>
+          <a:p>
+            <a:pPr marL="457200" indent="-457200">
+              <a:buFont typeface="Arial" panose="020B0604020202020204" pitchFamily="34" charset="0"/>
+              <a:buChar char="•"/>
+            </a:pPr>
+            <a:r>
+              <a:rPr lang="ro-RO" sz="2400" dirty="0"/>
+              <a:t>Extinderea modelelor de analiză cu componente predictive și prescriptive</a:t>
+            </a:r>
+          </a:p>
+          <a:p>
+            <a:pPr marL="457200" indent="-457200">
+              <a:buFont typeface="Arial" panose="020B0604020202020204" pitchFamily="34" charset="0"/>
+              <a:buChar char="•"/>
+            </a:pPr>
+            <a:r>
+              <a:rPr lang="ro-RO" sz="2400" dirty="0"/>
+              <a:t>Dezvoltarea de algoritmi de optimizare pentru regularizarea consumului energetic</a:t>
+            </a:r>
+          </a:p>
+          <a:p>
+            <a:pPr marL="457200" indent="-457200">
+              <a:buFont typeface="Arial" panose="020B0604020202020204" pitchFamily="34" charset="0"/>
+              <a:buChar char="•"/>
+            </a:pPr>
+            <a:r>
+              <a:rPr lang="ro-RO" sz="2400" dirty="0"/>
+              <a:t>Integrarea datelor în timp real din surse IoT (senzori, contoare inteligente)</a:t>
+            </a:r>
+          </a:p>
+          <a:p>
+            <a:pPr marL="457200" indent="-457200">
+              <a:buFont typeface="Arial" panose="020B0604020202020204" pitchFamily="34" charset="0"/>
+              <a:buChar char="•"/>
+            </a:pPr>
+            <a:r>
+              <a:rPr lang="ro-RO" sz="2400" dirty="0"/>
+              <a:t>Analiza scenariilor de decarbonizare la nivel național și regional</a:t>
+            </a:r>
+          </a:p>
+          <a:p>
+            <a:pPr marL="457200" indent="-457200">
+              <a:buFont typeface="Arial" panose="020B0604020202020204" pitchFamily="34" charset="0"/>
+              <a:buChar char="•"/>
+            </a:pPr>
+            <a:r>
+              <a:rPr lang="ro-RO" sz="2400" dirty="0"/>
+              <a:t>Utilizarea AI pentru predicție și intervenție automată în rețele smart-grid</a:t>
+            </a:r>
+          </a:p>
+          <a:p>
+            <a:pPr marL="285750" indent="-285750">
+              <a:buFont typeface="Arial" panose="020B0604020202020204" pitchFamily="34" charset="0"/>
+              <a:buChar char="•"/>
+            </a:pPr>
+            <a:endParaRPr lang="ro-RO" sz="1400" dirty="0"/>
+          </a:p>
+        </p:txBody>
+      </p:sp>
+    </p:spTree>
+    <p:extLst>
+      <p:ext uri="{BB962C8B-B14F-4D97-AF65-F5344CB8AC3E}">
+        <p14:creationId xmlns:p14="http://schemas.microsoft.com/office/powerpoint/2010/main" val="3950167550"/>
       </p:ext>
     </p:extLst>
   </p:cSld>
